--- a/Presentation1.pptx
+++ b/Presentation1.pptx
@@ -6,13 +6,15 @@
   </p:sldMasterIdLst>
   <p:sldIdLst>
     <p:sldId id="256" r:id="rId2"/>
-    <p:sldId id="263" r:id="rId3"/>
-    <p:sldId id="262" r:id="rId4"/>
-    <p:sldId id="257" r:id="rId5"/>
-    <p:sldId id="258" r:id="rId6"/>
-    <p:sldId id="259" r:id="rId7"/>
-    <p:sldId id="260" r:id="rId8"/>
-    <p:sldId id="261" r:id="rId9"/>
+    <p:sldId id="265" r:id="rId3"/>
+    <p:sldId id="264" r:id="rId4"/>
+    <p:sldId id="263" r:id="rId5"/>
+    <p:sldId id="262" r:id="rId6"/>
+    <p:sldId id="257" r:id="rId7"/>
+    <p:sldId id="258" r:id="rId8"/>
+    <p:sldId id="259" r:id="rId9"/>
+    <p:sldId id="260" r:id="rId10"/>
+    <p:sldId id="261" r:id="rId11"/>
   </p:sldIdLst>
   <p:sldSz cx="12192000" cy="6858000"/>
   <p:notesSz cx="6858000" cy="9144000"/>
@@ -111,6 +113,11 @@
       </a:defRPr>
     </a:lvl9pPr>
   </p:defaultTextStyle>
+  <p:extLst>
+    <p:ext uri="{EFAFB233-063F-42B5-8137-9DF3F51BA10A}">
+      <p15:sldGuideLst xmlns:p15="http://schemas.microsoft.com/office/powerpoint/2012/main"/>
+    </p:ext>
+  </p:extLst>
 </p:presentation>
 </file>
 
@@ -285,7 +292,7 @@
           <a:p>
             <a:fld id="{48A87A34-81AB-432B-8DAE-1953F412C126}" type="datetimeFigureOut">
               <a:rPr lang="en-US" dirty="0"/>
-              <a:t>12/12/18</a:t>
+              <a:t>2/26/19</a:t>
             </a:fld>
             <a:endParaRPr lang="en-US" dirty="0"/>
           </a:p>
@@ -592,7 +599,7 @@
           <a:p>
             <a:fld id="{48A87A34-81AB-432B-8DAE-1953F412C126}" type="datetimeFigureOut">
               <a:rPr lang="en-US" dirty="0"/>
-              <a:t>12/12/18</a:t>
+              <a:t>2/26/19</a:t>
             </a:fld>
             <a:endParaRPr lang="en-US" dirty="0"/>
           </a:p>
@@ -809,7 +816,7 @@
           <a:p>
             <a:fld id="{48A87A34-81AB-432B-8DAE-1953F412C126}" type="datetimeFigureOut">
               <a:rPr lang="en-US" dirty="0"/>
-              <a:t>12/12/18</a:t>
+              <a:t>2/26/19</a:t>
             </a:fld>
             <a:endParaRPr lang="en-US" dirty="0"/>
           </a:p>
@@ -1095,7 +1102,7 @@
           <a:p>
             <a:fld id="{48A87A34-81AB-432B-8DAE-1953F412C126}" type="datetimeFigureOut">
               <a:rPr lang="en-US" dirty="0"/>
-              <a:t>12/12/18</a:t>
+              <a:t>2/26/19</a:t>
             </a:fld>
             <a:endParaRPr lang="en-US" dirty="0"/>
           </a:p>
@@ -1544,7 +1551,7 @@
           <a:p>
             <a:fld id="{48A87A34-81AB-432B-8DAE-1953F412C126}" type="datetimeFigureOut">
               <a:rPr lang="en-US" dirty="0"/>
-              <a:t>12/12/18</a:t>
+              <a:t>2/26/19</a:t>
             </a:fld>
             <a:endParaRPr lang="en-US" dirty="0"/>
           </a:p>
@@ -2115,7 +2122,7 @@
           <a:p>
             <a:fld id="{48A87A34-81AB-432B-8DAE-1953F412C126}" type="datetimeFigureOut">
               <a:rPr lang="en-US" dirty="0"/>
-              <a:t>12/12/18</a:t>
+              <a:t>2/26/19</a:t>
             </a:fld>
             <a:endParaRPr lang="en-US" dirty="0"/>
           </a:p>
@@ -2962,7 +2969,7 @@
           <a:p>
             <a:fld id="{48A87A34-81AB-432B-8DAE-1953F412C126}" type="datetimeFigureOut">
               <a:rPr lang="en-US" dirty="0"/>
-              <a:t>12/12/18</a:t>
+              <a:t>2/26/19</a:t>
             </a:fld>
             <a:endParaRPr lang="en-US" dirty="0"/>
           </a:p>
@@ -3162,7 +3169,7 @@
           <a:p>
             <a:fld id="{48A87A34-81AB-432B-8DAE-1953F412C126}" type="datetimeFigureOut">
               <a:rPr lang="en-US" dirty="0"/>
-              <a:t>12/12/18</a:t>
+              <a:t>2/26/19</a:t>
             </a:fld>
             <a:endParaRPr lang="en-US" dirty="0"/>
           </a:p>
@@ -3371,7 +3378,7 @@
           <a:p>
             <a:fld id="{48A87A34-81AB-432B-8DAE-1953F412C126}" type="datetimeFigureOut">
               <a:rPr lang="en-US" dirty="0"/>
-              <a:t>12/12/18</a:t>
+              <a:t>2/26/19</a:t>
             </a:fld>
             <a:endParaRPr lang="en-US" dirty="0"/>
           </a:p>
@@ -3571,7 +3578,7 @@
           <a:p>
             <a:fld id="{48A87A34-81AB-432B-8DAE-1953F412C126}" type="datetimeFigureOut">
               <a:rPr lang="en-US" dirty="0"/>
-              <a:t>12/12/18</a:t>
+              <a:t>2/26/19</a:t>
             </a:fld>
             <a:endParaRPr lang="en-US" dirty="0"/>
           </a:p>
@@ -3846,7 +3853,7 @@
           <a:p>
             <a:fld id="{48A87A34-81AB-432B-8DAE-1953F412C126}" type="datetimeFigureOut">
               <a:rPr lang="en-US" dirty="0"/>
-              <a:t>12/12/18</a:t>
+              <a:t>2/26/19</a:t>
             </a:fld>
             <a:endParaRPr lang="en-US" dirty="0"/>
           </a:p>
@@ -4108,7 +4115,7 @@
           <a:p>
             <a:fld id="{48A87A34-81AB-432B-8DAE-1953F412C126}" type="datetimeFigureOut">
               <a:rPr lang="en-US" dirty="0"/>
-              <a:t>12/12/18</a:t>
+              <a:t>2/26/19</a:t>
             </a:fld>
             <a:endParaRPr lang="en-US" dirty="0"/>
           </a:p>
@@ -4518,7 +4525,7 @@
           <a:p>
             <a:fld id="{48A87A34-81AB-432B-8DAE-1953F412C126}" type="datetimeFigureOut">
               <a:rPr lang="en-US" dirty="0"/>
-              <a:t>12/12/18</a:t>
+              <a:t>2/26/19</a:t>
             </a:fld>
             <a:endParaRPr lang="en-US" dirty="0"/>
           </a:p>
@@ -4661,7 +4668,7 @@
           <a:p>
             <a:fld id="{48A87A34-81AB-432B-8DAE-1953F412C126}" type="datetimeFigureOut">
               <a:rPr lang="en-US" dirty="0"/>
-              <a:t>12/12/18</a:t>
+              <a:t>2/26/19</a:t>
             </a:fld>
             <a:endParaRPr lang="en-US" dirty="0"/>
           </a:p>
@@ -4781,7 +4788,7 @@
           <a:p>
             <a:fld id="{48A87A34-81AB-432B-8DAE-1953F412C126}" type="datetimeFigureOut">
               <a:rPr lang="en-US" dirty="0"/>
-              <a:t>12/12/18</a:t>
+              <a:t>2/26/19</a:t>
             </a:fld>
             <a:endParaRPr lang="en-US" dirty="0"/>
           </a:p>
@@ -5055,7 +5062,7 @@
           <a:p>
             <a:fld id="{48A87A34-81AB-432B-8DAE-1953F412C126}" type="datetimeFigureOut">
               <a:rPr lang="en-US" dirty="0"/>
-              <a:t>12/12/18</a:t>
+              <a:t>2/26/19</a:t>
             </a:fld>
             <a:endParaRPr lang="en-US" dirty="0"/>
           </a:p>
@@ -5362,7 +5369,7 @@
           <a:p>
             <a:fld id="{48A87A34-81AB-432B-8DAE-1953F412C126}" type="datetimeFigureOut">
               <a:rPr lang="en-US" dirty="0"/>
-              <a:t>12/12/18</a:t>
+              <a:t>2/26/19</a:t>
             </a:fld>
             <a:endParaRPr lang="en-US" dirty="0"/>
           </a:p>
@@ -5611,7 +5618,7 @@
             <a:fld id="{48A87A34-81AB-432B-8DAE-1953F412C126}" type="datetimeFigureOut">
               <a:rPr lang="en-US" dirty="0"/>
               <a:pPr/>
-              <a:t>12/12/18</a:t>
+              <a:t>2/26/19</a:t>
             </a:fld>
             <a:endParaRPr lang="en-US" dirty="0"/>
           </a:p>
@@ -6107,6 +6114,10 @@
           <a:p>
             <a:r>
               <a:rPr lang="en-US" altLang="zh-CN" dirty="0"/>
+              <a:t>Vicki </a:t>
+            </a:r>
+            <a:r>
+              <a:rPr lang="en-US" altLang="zh-CN" dirty="0" err="1"/>
               <a:t>Ziwei</a:t>
             </a:r>
             <a:r>
@@ -6125,6 +6136,213 @@
     <p:extLst>
       <p:ext uri="{BB962C8B-B14F-4D97-AF65-F5344CB8AC3E}">
         <p14:creationId xmlns:p14="http://schemas.microsoft.com/office/powerpoint/2010/main" val="1573838820"/>
+      </p:ext>
+    </p:extLst>
+  </p:cSld>
+  <p:clrMapOvr>
+    <a:masterClrMapping/>
+  </p:clrMapOvr>
+</p:sld>
+</file>
+
+<file path=ppt/slides/slide10.xml><?xml version="1.0" encoding="utf-8"?>
+<p:sld xmlns:a="http://schemas.openxmlformats.org/drawingml/2006/main" xmlns:r="http://schemas.openxmlformats.org/officeDocument/2006/relationships" xmlns:p="http://schemas.openxmlformats.org/presentationml/2006/main">
+  <p:cSld>
+    <p:spTree>
+      <p:nvGrpSpPr>
+        <p:cNvPr id="1" name=""/>
+        <p:cNvGrpSpPr/>
+        <p:nvPr/>
+      </p:nvGrpSpPr>
+      <p:grpSpPr>
+        <a:xfrm>
+          <a:off x="0" y="0"/>
+          <a:ext cx="0" cy="0"/>
+          <a:chOff x="0" y="0"/>
+          <a:chExt cx="0" cy="0"/>
+        </a:xfrm>
+      </p:grpSpPr>
+      <p:sp>
+        <p:nvSpPr>
+          <p:cNvPr id="2" name="Title 1">
+            <a:extLst>
+              <a:ext uri="{FF2B5EF4-FFF2-40B4-BE49-F238E27FC236}">
+                <a16:creationId xmlns:a16="http://schemas.microsoft.com/office/drawing/2014/main" id="{78C72D82-07F7-5E4D-82A8-3D0FBD1D3C05}"/>
+              </a:ext>
+            </a:extLst>
+          </p:cNvPr>
+          <p:cNvSpPr>
+            <a:spLocks noGrp="1"/>
+          </p:cNvSpPr>
+          <p:nvPr>
+            <p:ph type="title"/>
+          </p:nvPr>
+        </p:nvSpPr>
+        <p:spPr/>
+        <p:txBody>
+          <a:bodyPr/>
+          <a:lstStyle/>
+          <a:p>
+            <a:r>
+              <a:rPr lang="en-US" dirty="0"/>
+              <a:t>Future improvement</a:t>
+            </a:r>
+          </a:p>
+        </p:txBody>
+      </p:sp>
+      <p:sp>
+        <p:nvSpPr>
+          <p:cNvPr id="3" name="Content Placeholder 2">
+            <a:extLst>
+              <a:ext uri="{FF2B5EF4-FFF2-40B4-BE49-F238E27FC236}">
+                <a16:creationId xmlns:a16="http://schemas.microsoft.com/office/drawing/2014/main" id="{1874C90C-2355-6E49-9A47-B08805805F7C}"/>
+              </a:ext>
+            </a:extLst>
+          </p:cNvPr>
+          <p:cNvSpPr>
+            <a:spLocks noGrp="1"/>
+          </p:cNvSpPr>
+          <p:nvPr>
+            <p:ph sz="quarter" idx="13"/>
+          </p:nvPr>
+        </p:nvSpPr>
+        <p:spPr/>
+        <p:txBody>
+          <a:bodyPr/>
+          <a:lstStyle/>
+          <a:p>
+            <a:r>
+              <a:rPr lang="en-US" dirty="0"/>
+              <a:t>Analyze on optimizing deduplication process time </a:t>
+            </a:r>
+          </a:p>
+          <a:p>
+            <a:r>
+              <a:rPr lang="en-US" dirty="0"/>
+              <a:t>Analyze on alternative algorithm for similarity calculation</a:t>
+            </a:r>
+          </a:p>
+          <a:p>
+            <a:r>
+              <a:rPr lang="en-US" altLang="zh-CN" dirty="0"/>
+              <a:t>Improve</a:t>
+            </a:r>
+            <a:r>
+              <a:rPr lang="zh-CN" altLang="en-US" dirty="0"/>
+              <a:t> </a:t>
+            </a:r>
+            <a:r>
+              <a:rPr lang="en-US" altLang="zh-CN" dirty="0"/>
+              <a:t>LDA</a:t>
+            </a:r>
+            <a:r>
+              <a:rPr lang="zh-CN" altLang="en-US" dirty="0"/>
+              <a:t> </a:t>
+            </a:r>
+            <a:r>
+              <a:rPr lang="en-US" altLang="zh-CN" dirty="0"/>
+              <a:t>model</a:t>
+            </a:r>
+            <a:r>
+              <a:rPr lang="zh-CN" altLang="en-US" dirty="0"/>
+              <a:t> </a:t>
+            </a:r>
+            <a:r>
+              <a:rPr lang="en-US" altLang="zh-CN" dirty="0"/>
+              <a:t>to</a:t>
+            </a:r>
+            <a:r>
+              <a:rPr lang="zh-CN" altLang="en-US" dirty="0"/>
+              <a:t> </a:t>
+            </a:r>
+            <a:r>
+              <a:rPr lang="en-US" altLang="zh-CN" dirty="0"/>
+              <a:t>get</a:t>
+            </a:r>
+            <a:r>
+              <a:rPr lang="zh-CN" altLang="en-US" dirty="0"/>
+              <a:t> </a:t>
+            </a:r>
+            <a:r>
+              <a:rPr lang="en-US" altLang="zh-CN" dirty="0"/>
+              <a:t>better</a:t>
+            </a:r>
+            <a:r>
+              <a:rPr lang="zh-CN" altLang="en-US" dirty="0"/>
+              <a:t> </a:t>
+            </a:r>
+            <a:r>
+              <a:rPr lang="en-US" altLang="zh-CN" dirty="0"/>
+              <a:t>cluster</a:t>
+            </a:r>
+          </a:p>
+          <a:p>
+            <a:r>
+              <a:rPr lang="en-US" altLang="zh-CN" dirty="0"/>
+              <a:t>Build</a:t>
+            </a:r>
+            <a:r>
+              <a:rPr lang="zh-CN" altLang="en-US" dirty="0"/>
+              <a:t> </a:t>
+            </a:r>
+            <a:r>
+              <a:rPr lang="en-US" altLang="zh-CN" dirty="0"/>
+              <a:t>better</a:t>
+            </a:r>
+            <a:r>
+              <a:rPr lang="zh-CN" altLang="en-US" dirty="0"/>
+              <a:t> </a:t>
+            </a:r>
+            <a:r>
+              <a:rPr lang="en-US" altLang="zh-CN" dirty="0"/>
+              <a:t>taxonomy</a:t>
+            </a:r>
+          </a:p>
+          <a:p>
+            <a:r>
+              <a:rPr lang="en-US" altLang="zh-CN" dirty="0"/>
+              <a:t>Use</a:t>
+            </a:r>
+            <a:r>
+              <a:rPr lang="zh-CN" altLang="en-US" dirty="0"/>
+              <a:t> </a:t>
+            </a:r>
+            <a:r>
+              <a:rPr lang="en-US" altLang="zh-CN" dirty="0" err="1"/>
+              <a:t>nltk</a:t>
+            </a:r>
+            <a:r>
+              <a:rPr lang="zh-CN" altLang="en-US" dirty="0"/>
+              <a:t> </a:t>
+            </a:r>
+            <a:r>
+              <a:rPr lang="en-US" altLang="zh-CN" dirty="0"/>
+              <a:t>to</a:t>
+            </a:r>
+            <a:r>
+              <a:rPr lang="zh-CN" altLang="en-US" dirty="0"/>
+              <a:t> </a:t>
+            </a:r>
+            <a:r>
+              <a:rPr lang="en-US" altLang="zh-CN" dirty="0"/>
+              <a:t>analyze</a:t>
+            </a:r>
+            <a:r>
+              <a:rPr lang="zh-CN" altLang="en-US" dirty="0"/>
+              <a:t> </a:t>
+            </a:r>
+            <a:r>
+              <a:rPr lang="en-US" altLang="zh-CN" dirty="0"/>
+              <a:t>entities</a:t>
+            </a:r>
+            <a:endParaRPr lang="en-US" dirty="0"/>
+          </a:p>
+        </p:txBody>
+      </p:sp>
+    </p:spTree>
+    <p:extLst>
+      <p:ext uri="{BB962C8B-B14F-4D97-AF65-F5344CB8AC3E}">
+        <p14:creationId xmlns:p14="http://schemas.microsoft.com/office/powerpoint/2010/main" val="2699151588"/>
       </p:ext>
     </p:extLst>
   </p:cSld>
@@ -6156,7 +6374,7 @@
           <p:cNvPr id="2" name="Title 1">
             <a:extLst>
               <a:ext uri="{FF2B5EF4-FFF2-40B4-BE49-F238E27FC236}">
-                <a16:creationId xmlns:a16="http://schemas.microsoft.com/office/drawing/2014/main" id="{56952C90-2F33-364E-B8B8-7D2D1A71F802}"/>
+                <a16:creationId xmlns:a16="http://schemas.microsoft.com/office/drawing/2014/main" id="{B289DF76-703A-B246-88A4-17933DC0B0BC}"/>
               </a:ext>
             </a:extLst>
           </p:cNvPr>
@@ -6167,14 +6385,19 @@
             <p:ph type="title"/>
           </p:nvPr>
         </p:nvSpPr>
-        <p:spPr/>
+        <p:spPr>
+          <a:xfrm>
+            <a:off x="913775" y="261166"/>
+            <a:ext cx="10364451" cy="1596177"/>
+          </a:xfrm>
+        </p:spPr>
         <p:txBody>
           <a:bodyPr/>
           <a:lstStyle/>
           <a:p>
             <a:r>
               <a:rPr lang="en-US" dirty="0"/>
-              <a:t>Get 10,000 posts</a:t>
+              <a:t>NLP</a:t>
             </a:r>
           </a:p>
         </p:txBody>
@@ -6184,7 +6407,7 @@
           <p:cNvPr id="3" name="Content Placeholder 2">
             <a:extLst>
               <a:ext uri="{FF2B5EF4-FFF2-40B4-BE49-F238E27FC236}">
-                <a16:creationId xmlns:a16="http://schemas.microsoft.com/office/drawing/2014/main" id="{4D3FFD47-46CD-D44F-843D-464F2DF21DCE}"/>
+                <a16:creationId xmlns:a16="http://schemas.microsoft.com/office/drawing/2014/main" id="{555AA2C4-FC8D-DC40-8785-B724F39607BA}"/>
               </a:ext>
             </a:extLst>
           </p:cNvPr>
@@ -6197,225 +6420,32 @@
         </p:nvSpPr>
         <p:spPr>
           <a:xfrm>
-            <a:off x="913774" y="1714500"/>
-            <a:ext cx="10363826" cy="4076699"/>
-          </a:xfrm>
-        </p:spPr>
-        <p:txBody>
-          <a:bodyPr>
-            <a:normAutofit fontScale="92500" lnSpcReduction="10000"/>
-          </a:bodyPr>
+            <a:off x="914400" y="1704940"/>
+            <a:ext cx="10363826" cy="3424107"/>
+          </a:xfrm>
+        </p:spPr>
+        <p:txBody>
+          <a:bodyPr/>
           <a:lstStyle/>
           <a:p>
             <a:r>
+              <a:rPr lang="en-US" b="1" dirty="0"/>
+              <a:t>Natural language processing (NLP) </a:t>
+            </a:r>
+          </a:p>
+          <a:p>
+            <a:pPr lvl="1"/>
+            <a:r>
               <a:rPr lang="en-US" dirty="0"/>
-              <a:t>Crawled 10,000 posts from webhoseio using filters: </a:t>
-            </a:r>
-          </a:p>
-          <a:p>
-            <a:pPr lvl="1"/>
-            <a:r>
-              <a:rPr lang="en-US" dirty="0"/>
-              <a:t>organization: google</a:t>
-            </a:r>
-          </a:p>
-          <a:p>
-            <a:pPr lvl="1"/>
-            <a:r>
-              <a:rPr lang="en-US" dirty="0"/>
-              <a:t>Language: English</a:t>
-            </a:r>
-          </a:p>
-          <a:p>
-            <a:pPr lvl="1"/>
-            <a:r>
-              <a:rPr lang="en-US" altLang="zh-CN" dirty="0"/>
-              <a:t>Date:</a:t>
-            </a:r>
-            <a:r>
-              <a:rPr lang="zh-CN" altLang="en-US" dirty="0"/>
-              <a:t> </a:t>
-            </a:r>
-            <a:r>
-              <a:rPr lang="en-US" altLang="zh-CN" dirty="0"/>
-              <a:t>08/01/2018</a:t>
-            </a:r>
-            <a:r>
-              <a:rPr lang="zh-CN" altLang="en-US" dirty="0"/>
-              <a:t> </a:t>
-            </a:r>
-            <a:r>
-              <a:rPr lang="en-US" altLang="zh-CN" dirty="0"/>
-              <a:t>–</a:t>
-            </a:r>
-            <a:r>
-              <a:rPr lang="zh-CN" altLang="en-US" dirty="0"/>
-              <a:t> </a:t>
-            </a:r>
-            <a:r>
-              <a:rPr lang="en-US" altLang="zh-CN" dirty="0"/>
-              <a:t>12/01/2018</a:t>
-            </a:r>
-            <a:endParaRPr lang="en-US" dirty="0"/>
-          </a:p>
-          <a:p>
-            <a:pPr lvl="1"/>
-            <a:r>
-              <a:rPr lang="en-US" altLang="zh-CN" dirty="0"/>
-              <a:t>Got</a:t>
-            </a:r>
-            <a:r>
-              <a:rPr lang="zh-CN" altLang="en-US" dirty="0"/>
-              <a:t> </a:t>
-            </a:r>
-            <a:r>
-              <a:rPr lang="en-US" altLang="zh-CN" dirty="0"/>
-              <a:t>8019</a:t>
-            </a:r>
-            <a:r>
-              <a:rPr lang="zh-CN" altLang="en-US" dirty="0"/>
-              <a:t> </a:t>
-            </a:r>
-            <a:r>
-              <a:rPr lang="en-US" altLang="zh-CN" dirty="0"/>
-              <a:t>posts</a:t>
-            </a:r>
-            <a:endParaRPr lang="en-US" dirty="0"/>
-          </a:p>
-          <a:p>
-            <a:pPr lvl="1"/>
-            <a:r>
-              <a:rPr lang="en-US" dirty="0"/>
-              <a:t>Save</a:t>
-            </a:r>
-            <a:r>
-              <a:rPr lang="zh-CN" altLang="en-US" dirty="0"/>
-              <a:t> </a:t>
-            </a:r>
-            <a:r>
-              <a:rPr lang="en-US" altLang="zh-CN" dirty="0"/>
-              <a:t>as</a:t>
-            </a:r>
-            <a:r>
-              <a:rPr lang="zh-CN" altLang="en-US" dirty="0"/>
-              <a:t> </a:t>
-            </a:r>
-            <a:r>
-              <a:rPr lang="en-US" altLang="zh-CN" dirty="0"/>
-              <a:t>.</a:t>
-            </a:r>
-            <a:r>
-              <a:rPr lang="en-US" altLang="zh-CN" dirty="0" err="1"/>
-              <a:t>json</a:t>
-            </a:r>
-            <a:r>
-              <a:rPr lang="zh-CN" altLang="en-US" dirty="0"/>
-              <a:t> </a:t>
-            </a:r>
-            <a:r>
-              <a:rPr lang="en-US" altLang="zh-CN" dirty="0"/>
-              <a:t>file</a:t>
-            </a:r>
-          </a:p>
-          <a:p>
-            <a:pPr lvl="1"/>
-            <a:endParaRPr lang="en-US" dirty="0"/>
-          </a:p>
-          <a:p>
-            <a:pPr marL="457200" lvl="1" indent="0">
-              <a:buNone/>
-            </a:pPr>
-            <a:endParaRPr lang="en-US" dirty="0"/>
-          </a:p>
-          <a:p>
-            <a:pPr marL="457200" lvl="1" indent="0">
-              <a:buNone/>
-            </a:pPr>
-            <a:endParaRPr lang="en-US" dirty="0"/>
-          </a:p>
-          <a:p>
-            <a:r>
-              <a:rPr lang="en-US" altLang="zh-CN" dirty="0"/>
-              <a:t>Result:</a:t>
-            </a:r>
-            <a:endParaRPr lang="en-US" dirty="0"/>
-          </a:p>
-          <a:p>
-            <a:pPr lvl="1"/>
-            <a:r>
-              <a:rPr lang="en-US" altLang="zh-CN" dirty="0"/>
-              <a:t>Still</a:t>
-            </a:r>
-            <a:r>
-              <a:rPr lang="zh-CN" altLang="en-US" dirty="0"/>
-              <a:t> </a:t>
-            </a:r>
-            <a:r>
-              <a:rPr lang="en-US" altLang="zh-CN" dirty="0"/>
-              <a:t>found</a:t>
-            </a:r>
-            <a:r>
-              <a:rPr lang="zh-CN" altLang="en-US" dirty="0"/>
-              <a:t> </a:t>
-            </a:r>
-            <a:r>
-              <a:rPr lang="en-US" altLang="zh-CN" dirty="0"/>
-              <a:t>other</a:t>
-            </a:r>
-            <a:r>
-              <a:rPr lang="zh-CN" altLang="en-US" dirty="0"/>
-              <a:t> </a:t>
-            </a:r>
-            <a:r>
-              <a:rPr lang="en-US" altLang="zh-CN" dirty="0"/>
-              <a:t>language</a:t>
-            </a:r>
-            <a:r>
-              <a:rPr lang="zh-CN" altLang="en-US" dirty="0"/>
-              <a:t> </a:t>
-            </a:r>
-            <a:r>
-              <a:rPr lang="en-US" altLang="zh-CN" dirty="0"/>
-              <a:t>articles</a:t>
-            </a:r>
-            <a:endParaRPr lang="en-US" dirty="0"/>
-          </a:p>
-        </p:txBody>
-      </p:sp>
-      <p:pic>
-        <p:nvPicPr>
-          <p:cNvPr id="5" name="Picture 4">
-            <a:extLst>
-              <a:ext uri="{FF2B5EF4-FFF2-40B4-BE49-F238E27FC236}">
-                <a16:creationId xmlns:a16="http://schemas.microsoft.com/office/drawing/2014/main" id="{2D78ED00-03EB-0A42-836A-848215E1719A}"/>
-              </a:ext>
-            </a:extLst>
-          </p:cNvPr>
-          <p:cNvPicPr>
-            <a:picLocks noChangeAspect="1"/>
-          </p:cNvPicPr>
-          <p:nvPr/>
-        </p:nvPicPr>
-        <p:blipFill>
-          <a:blip r:embed="rId2"/>
-          <a:stretch>
-            <a:fillRect/>
-          </a:stretch>
-        </p:blipFill>
-        <p:spPr>
-          <a:xfrm>
-            <a:off x="1651000" y="3752849"/>
-            <a:ext cx="4843670" cy="1092200"/>
-          </a:xfrm>
-          <a:prstGeom prst="rect">
-            <a:avLst/>
-          </a:prstGeom>
-        </p:spPr>
-      </p:pic>
+              <a:t>a subfield of computer science, information engineering, and artificial intelligence concerned with the interactions between computers and human (natural) languages, in particular how to program computers to process and analyze large amounts of natural language data.</a:t>
+            </a:r>
+          </a:p>
+        </p:txBody>
+      </p:sp>
     </p:spTree>
     <p:extLst>
       <p:ext uri="{BB962C8B-B14F-4D97-AF65-F5344CB8AC3E}">
-        <p14:creationId xmlns:p14="http://schemas.microsoft.com/office/powerpoint/2010/main" val="3215659179"/>
+        <p14:creationId xmlns:p14="http://schemas.microsoft.com/office/powerpoint/2010/main" val="4224710976"/>
       </p:ext>
     </p:extLst>
   </p:cSld>
@@ -6447,6 +6477,417 @@
           <p:cNvPr id="2" name="Title 1">
             <a:extLst>
               <a:ext uri="{FF2B5EF4-FFF2-40B4-BE49-F238E27FC236}">
+                <a16:creationId xmlns:a16="http://schemas.microsoft.com/office/drawing/2014/main" id="{D98053CF-6115-AF46-9332-A7C654607337}"/>
+              </a:ext>
+            </a:extLst>
+          </p:cNvPr>
+          <p:cNvSpPr>
+            <a:spLocks noGrp="1"/>
+          </p:cNvSpPr>
+          <p:nvPr>
+            <p:ph type="title"/>
+          </p:nvPr>
+        </p:nvSpPr>
+        <p:spPr/>
+        <p:txBody>
+          <a:bodyPr/>
+          <a:lstStyle/>
+          <a:p>
+            <a:endParaRPr lang="en-US"/>
+          </a:p>
+        </p:txBody>
+      </p:sp>
+      <p:pic>
+        <p:nvPicPr>
+          <p:cNvPr id="5" name="Content Placeholder 4">
+            <a:extLst>
+              <a:ext uri="{FF2B5EF4-FFF2-40B4-BE49-F238E27FC236}">
+                <a16:creationId xmlns:a16="http://schemas.microsoft.com/office/drawing/2014/main" id="{95EEAC4F-E16B-7B4F-ABF9-A0CC1A5D002F}"/>
+              </a:ext>
+            </a:extLst>
+          </p:cNvPr>
+          <p:cNvPicPr>
+            <a:picLocks noGrp="1" noChangeAspect="1"/>
+          </p:cNvPicPr>
+          <p:nvPr>
+            <p:ph sz="quarter" idx="13"/>
+          </p:nvPr>
+        </p:nvPicPr>
+        <p:blipFill>
+          <a:blip r:embed="rId2"/>
+          <a:stretch>
+            <a:fillRect/>
+          </a:stretch>
+        </p:blipFill>
+        <p:spPr>
+          <a:xfrm>
+            <a:off x="738877" y="849736"/>
+            <a:ext cx="10922700" cy="5078098"/>
+          </a:xfrm>
+        </p:spPr>
+      </p:pic>
+    </p:spTree>
+    <p:extLst>
+      <p:ext uri="{BB962C8B-B14F-4D97-AF65-F5344CB8AC3E}">
+        <p14:creationId xmlns:p14="http://schemas.microsoft.com/office/powerpoint/2010/main" val="2971654627"/>
+      </p:ext>
+    </p:extLst>
+  </p:cSld>
+  <p:clrMapOvr>
+    <a:masterClrMapping/>
+  </p:clrMapOvr>
+</p:sld>
+</file>
+
+<file path=ppt/slides/slide4.xml><?xml version="1.0" encoding="utf-8"?>
+<p:sld xmlns:a="http://schemas.openxmlformats.org/drawingml/2006/main" xmlns:r="http://schemas.openxmlformats.org/officeDocument/2006/relationships" xmlns:p="http://schemas.openxmlformats.org/presentationml/2006/main">
+  <p:cSld>
+    <p:spTree>
+      <p:nvGrpSpPr>
+        <p:cNvPr id="1" name=""/>
+        <p:cNvGrpSpPr/>
+        <p:nvPr/>
+      </p:nvGrpSpPr>
+      <p:grpSpPr>
+        <a:xfrm>
+          <a:off x="0" y="0"/>
+          <a:ext cx="0" cy="0"/>
+          <a:chOff x="0" y="0"/>
+          <a:chExt cx="0" cy="0"/>
+        </a:xfrm>
+      </p:grpSpPr>
+      <p:sp>
+        <p:nvSpPr>
+          <p:cNvPr id="2" name="Title 1">
+            <a:extLst>
+              <a:ext uri="{FF2B5EF4-FFF2-40B4-BE49-F238E27FC236}">
+                <a16:creationId xmlns:a16="http://schemas.microsoft.com/office/drawing/2014/main" id="{56952C90-2F33-364E-B8B8-7D2D1A71F802}"/>
+              </a:ext>
+            </a:extLst>
+          </p:cNvPr>
+          <p:cNvSpPr>
+            <a:spLocks noGrp="1"/>
+          </p:cNvSpPr>
+          <p:nvPr>
+            <p:ph type="title"/>
+          </p:nvPr>
+        </p:nvSpPr>
+        <p:spPr>
+          <a:xfrm>
+            <a:off x="840203" y="333497"/>
+            <a:ext cx="10364451" cy="1596177"/>
+          </a:xfrm>
+        </p:spPr>
+        <p:txBody>
+          <a:bodyPr/>
+          <a:lstStyle/>
+          <a:p>
+            <a:r>
+              <a:rPr lang="en-US" dirty="0"/>
+              <a:t>Get 10,000 posts</a:t>
+            </a:r>
+          </a:p>
+        </p:txBody>
+      </p:sp>
+      <p:sp>
+        <p:nvSpPr>
+          <p:cNvPr id="3" name="Content Placeholder 2">
+            <a:extLst>
+              <a:ext uri="{FF2B5EF4-FFF2-40B4-BE49-F238E27FC236}">
+                <a16:creationId xmlns:a16="http://schemas.microsoft.com/office/drawing/2014/main" id="{4D3FFD47-46CD-D44F-843D-464F2DF21DCE}"/>
+              </a:ext>
+            </a:extLst>
+          </p:cNvPr>
+          <p:cNvSpPr>
+            <a:spLocks noGrp="1"/>
+          </p:cNvSpPr>
+          <p:nvPr>
+            <p:ph sz="quarter" idx="13"/>
+          </p:nvPr>
+        </p:nvSpPr>
+        <p:spPr>
+          <a:xfrm>
+            <a:off x="683173" y="1629104"/>
+            <a:ext cx="11098924" cy="4687614"/>
+          </a:xfrm>
+        </p:spPr>
+        <p:txBody>
+          <a:bodyPr>
+            <a:normAutofit fontScale="85000" lnSpcReduction="20000"/>
+          </a:bodyPr>
+          <a:lstStyle/>
+          <a:p>
+            <a:r>
+              <a:rPr lang="en-US" dirty="0"/>
+              <a:t>The </a:t>
+            </a:r>
+            <a:r>
+              <a:rPr lang="en-US" b="1" dirty="0" err="1">
+                <a:solidFill>
+                  <a:srgbClr val="C00000"/>
+                </a:solidFill>
+              </a:rPr>
+              <a:t>Webhose.io</a:t>
+            </a:r>
+            <a:r>
+              <a:rPr lang="en-US" dirty="0"/>
+              <a:t> API provides easy to integrate, high quality data and meta-data, from hundreds of thousands of global online sources like message boards, blogs, reviews, news and more. Available either by query based API</a:t>
+            </a:r>
+          </a:p>
+          <a:p>
+            <a:r>
+              <a:rPr lang="en-US" dirty="0"/>
+              <a:t>Crawled 10,000 posts from webhoseio using filters: </a:t>
+            </a:r>
+          </a:p>
+          <a:p>
+            <a:pPr lvl="1"/>
+            <a:r>
+              <a:rPr lang="en-US" dirty="0"/>
+              <a:t>organization: google</a:t>
+            </a:r>
+          </a:p>
+          <a:p>
+            <a:pPr lvl="1"/>
+            <a:r>
+              <a:rPr lang="en-US" dirty="0"/>
+              <a:t>Language: English</a:t>
+            </a:r>
+          </a:p>
+          <a:p>
+            <a:pPr lvl="1"/>
+            <a:r>
+              <a:rPr lang="en-US" altLang="zh-CN" dirty="0"/>
+              <a:t>Date:</a:t>
+            </a:r>
+            <a:r>
+              <a:rPr lang="zh-CN" altLang="en-US" dirty="0"/>
+              <a:t> </a:t>
+            </a:r>
+            <a:r>
+              <a:rPr lang="en-US" altLang="zh-CN" dirty="0"/>
+              <a:t>08/01/2018</a:t>
+            </a:r>
+            <a:r>
+              <a:rPr lang="zh-CN" altLang="en-US" dirty="0"/>
+              <a:t> </a:t>
+            </a:r>
+            <a:r>
+              <a:rPr lang="en-US" altLang="zh-CN" dirty="0"/>
+              <a:t>–</a:t>
+            </a:r>
+            <a:r>
+              <a:rPr lang="zh-CN" altLang="en-US" dirty="0"/>
+              <a:t> </a:t>
+            </a:r>
+            <a:r>
+              <a:rPr lang="en-US" altLang="zh-CN" dirty="0"/>
+              <a:t>12/01/2018</a:t>
+            </a:r>
+            <a:endParaRPr lang="en-US" dirty="0"/>
+          </a:p>
+          <a:p>
+            <a:pPr lvl="1"/>
+            <a:r>
+              <a:rPr lang="en-US" altLang="zh-CN" dirty="0"/>
+              <a:t>Got</a:t>
+            </a:r>
+            <a:r>
+              <a:rPr lang="zh-CN" altLang="en-US" dirty="0"/>
+              <a:t> </a:t>
+            </a:r>
+            <a:r>
+              <a:rPr lang="en-US" altLang="zh-CN" dirty="0"/>
+              <a:t>8019</a:t>
+            </a:r>
+            <a:r>
+              <a:rPr lang="zh-CN" altLang="en-US" dirty="0"/>
+              <a:t> </a:t>
+            </a:r>
+            <a:r>
+              <a:rPr lang="en-US" altLang="zh-CN" dirty="0"/>
+              <a:t>posts</a:t>
+            </a:r>
+            <a:endParaRPr lang="en-US" dirty="0"/>
+          </a:p>
+          <a:p>
+            <a:pPr lvl="1"/>
+            <a:r>
+              <a:rPr lang="en-US" dirty="0"/>
+              <a:t>Save</a:t>
+            </a:r>
+            <a:r>
+              <a:rPr lang="zh-CN" altLang="en-US" dirty="0"/>
+              <a:t> </a:t>
+            </a:r>
+            <a:r>
+              <a:rPr lang="en-US" altLang="zh-CN" dirty="0"/>
+              <a:t>as</a:t>
+            </a:r>
+            <a:r>
+              <a:rPr lang="zh-CN" altLang="en-US" dirty="0"/>
+              <a:t> </a:t>
+            </a:r>
+            <a:r>
+              <a:rPr lang="en-US" altLang="zh-CN" dirty="0"/>
+              <a:t>.</a:t>
+            </a:r>
+            <a:r>
+              <a:rPr lang="en-US" altLang="zh-CN" dirty="0" err="1"/>
+              <a:t>json</a:t>
+            </a:r>
+            <a:r>
+              <a:rPr lang="zh-CN" altLang="en-US" dirty="0"/>
+              <a:t> </a:t>
+            </a:r>
+            <a:r>
+              <a:rPr lang="en-US" altLang="zh-CN" dirty="0"/>
+              <a:t>file</a:t>
+            </a:r>
+          </a:p>
+          <a:p>
+            <a:pPr lvl="1"/>
+            <a:endParaRPr lang="en-US" dirty="0"/>
+          </a:p>
+          <a:p>
+            <a:pPr marL="457200" lvl="1" indent="0">
+              <a:buNone/>
+            </a:pPr>
+            <a:endParaRPr lang="en-US" dirty="0"/>
+          </a:p>
+          <a:p>
+            <a:pPr marL="457200" lvl="1" indent="0">
+              <a:buNone/>
+            </a:pPr>
+            <a:endParaRPr lang="en-US" dirty="0"/>
+          </a:p>
+          <a:p>
+            <a:r>
+              <a:rPr lang="en-US" altLang="zh-CN" dirty="0"/>
+              <a:t>Result:</a:t>
+            </a:r>
+            <a:endParaRPr lang="en-US" dirty="0"/>
+          </a:p>
+          <a:p>
+            <a:pPr lvl="1"/>
+            <a:r>
+              <a:rPr lang="en-US" altLang="zh-CN" dirty="0"/>
+              <a:t>Still</a:t>
+            </a:r>
+            <a:r>
+              <a:rPr lang="zh-CN" altLang="en-US" dirty="0"/>
+              <a:t> </a:t>
+            </a:r>
+            <a:r>
+              <a:rPr lang="en-US" altLang="zh-CN" dirty="0"/>
+              <a:t>found</a:t>
+            </a:r>
+            <a:r>
+              <a:rPr lang="zh-CN" altLang="en-US" dirty="0"/>
+              <a:t> </a:t>
+            </a:r>
+            <a:r>
+              <a:rPr lang="en-US" altLang="zh-CN" dirty="0"/>
+              <a:t>other</a:t>
+            </a:r>
+            <a:r>
+              <a:rPr lang="zh-CN" altLang="en-US" dirty="0"/>
+              <a:t> </a:t>
+            </a:r>
+            <a:r>
+              <a:rPr lang="en-US" altLang="zh-CN" dirty="0"/>
+              <a:t>language</a:t>
+            </a:r>
+            <a:r>
+              <a:rPr lang="zh-CN" altLang="en-US" dirty="0"/>
+              <a:t> </a:t>
+            </a:r>
+            <a:r>
+              <a:rPr lang="en-US" altLang="zh-CN" dirty="0"/>
+              <a:t>articles – Need more filter processing</a:t>
+            </a:r>
+          </a:p>
+          <a:p>
+            <a:pPr lvl="1"/>
+            <a:r>
+              <a:rPr lang="en-US" dirty="0">
+                <a:hlinkClick r:id="rId2"/>
+              </a:rPr>
+              <a:t>https://webhose.io/web-content-api</a:t>
+            </a:r>
+            <a:endParaRPr lang="en-US" dirty="0"/>
+          </a:p>
+          <a:p>
+            <a:pPr lvl="1"/>
+            <a:endParaRPr lang="en-US" dirty="0"/>
+          </a:p>
+        </p:txBody>
+      </p:sp>
+      <p:pic>
+        <p:nvPicPr>
+          <p:cNvPr id="5" name="Picture 4">
+            <a:extLst>
+              <a:ext uri="{FF2B5EF4-FFF2-40B4-BE49-F238E27FC236}">
+                <a16:creationId xmlns:a16="http://schemas.microsoft.com/office/drawing/2014/main" id="{2D78ED00-03EB-0A42-836A-848215E1719A}"/>
+              </a:ext>
+            </a:extLst>
+          </p:cNvPr>
+          <p:cNvPicPr>
+            <a:picLocks noChangeAspect="1"/>
+          </p:cNvPicPr>
+          <p:nvPr/>
+        </p:nvPicPr>
+        <p:blipFill>
+          <a:blip r:embed="rId3"/>
+          <a:stretch>
+            <a:fillRect/>
+          </a:stretch>
+        </p:blipFill>
+        <p:spPr>
+          <a:xfrm>
+            <a:off x="3143469" y="3826421"/>
+            <a:ext cx="4843670" cy="1092200"/>
+          </a:xfrm>
+          <a:prstGeom prst="rect">
+            <a:avLst/>
+          </a:prstGeom>
+        </p:spPr>
+      </p:pic>
+    </p:spTree>
+    <p:extLst>
+      <p:ext uri="{BB962C8B-B14F-4D97-AF65-F5344CB8AC3E}">
+        <p14:creationId xmlns:p14="http://schemas.microsoft.com/office/powerpoint/2010/main" val="3215659179"/>
+      </p:ext>
+    </p:extLst>
+  </p:cSld>
+  <p:clrMapOvr>
+    <a:masterClrMapping/>
+  </p:clrMapOvr>
+</p:sld>
+</file>
+
+<file path=ppt/slides/slide5.xml><?xml version="1.0" encoding="utf-8"?>
+<p:sld xmlns:a="http://schemas.openxmlformats.org/drawingml/2006/main" xmlns:r="http://schemas.openxmlformats.org/officeDocument/2006/relationships" xmlns:p="http://schemas.openxmlformats.org/presentationml/2006/main">
+  <p:cSld>
+    <p:spTree>
+      <p:nvGrpSpPr>
+        <p:cNvPr id="1" name=""/>
+        <p:cNvGrpSpPr/>
+        <p:nvPr/>
+      </p:nvGrpSpPr>
+      <p:grpSpPr>
+        <a:xfrm>
+          <a:off x="0" y="0"/>
+          <a:ext cx="0" cy="0"/>
+          <a:chOff x="0" y="0"/>
+          <a:chExt cx="0" cy="0"/>
+        </a:xfrm>
+      </p:grpSpPr>
+      <p:sp>
+        <p:nvSpPr>
+          <p:cNvPr id="2" name="Title 1">
+            <a:extLst>
+              <a:ext uri="{FF2B5EF4-FFF2-40B4-BE49-F238E27FC236}">
                 <a16:creationId xmlns:a16="http://schemas.microsoft.com/office/drawing/2014/main" id="{9E25D842-FF5D-BB46-8467-3AAC9505C9EC}"/>
               </a:ext>
             </a:extLst>
@@ -6539,7 +6980,7 @@
 </p:sld>
 </file>
 
-<file path=ppt/slides/slide4.xml><?xml version="1.0" encoding="utf-8"?>
+<file path=ppt/slides/slide6.xml><?xml version="1.0" encoding="utf-8"?>
 <p:sld xmlns:a="http://schemas.openxmlformats.org/drawingml/2006/main" xmlns:r="http://schemas.openxmlformats.org/officeDocument/2006/relationships" xmlns:p="http://schemas.openxmlformats.org/presentationml/2006/main">
   <p:cSld>
     <p:bg>
@@ -7214,552 +7655,6 @@
 </p:sld>
 </file>
 
-<file path=ppt/slides/slide5.xml><?xml version="1.0" encoding="utf-8"?>
-<p:sld xmlns:a="http://schemas.openxmlformats.org/drawingml/2006/main" xmlns:r="http://schemas.openxmlformats.org/officeDocument/2006/relationships" xmlns:p="http://schemas.openxmlformats.org/presentationml/2006/main">
-  <p:cSld>
-    <p:spTree>
-      <p:nvGrpSpPr>
-        <p:cNvPr id="1" name=""/>
-        <p:cNvGrpSpPr/>
-        <p:nvPr/>
-      </p:nvGrpSpPr>
-      <p:grpSpPr>
-        <a:xfrm>
-          <a:off x="0" y="0"/>
-          <a:ext cx="0" cy="0"/>
-          <a:chOff x="0" y="0"/>
-          <a:chExt cx="0" cy="0"/>
-        </a:xfrm>
-      </p:grpSpPr>
-      <p:sp>
-        <p:nvSpPr>
-          <p:cNvPr id="2" name="Title 1">
-            <a:extLst>
-              <a:ext uri="{FF2B5EF4-FFF2-40B4-BE49-F238E27FC236}">
-                <a16:creationId xmlns:a16="http://schemas.microsoft.com/office/drawing/2014/main" id="{17ADC497-FEBF-AE4A-8B5A-6772E2CB064D}"/>
-              </a:ext>
-            </a:extLst>
-          </p:cNvPr>
-          <p:cNvSpPr>
-            <a:spLocks noGrp="1"/>
-          </p:cNvSpPr>
-          <p:nvPr>
-            <p:ph type="title"/>
-          </p:nvPr>
-        </p:nvSpPr>
-        <p:spPr/>
-        <p:txBody>
-          <a:bodyPr/>
-          <a:lstStyle/>
-          <a:p>
-            <a:r>
-              <a:rPr lang="en-US" dirty="0"/>
-              <a:t>Named entity recognition</a:t>
-            </a:r>
-          </a:p>
-        </p:txBody>
-      </p:sp>
-      <p:pic>
-        <p:nvPicPr>
-          <p:cNvPr id="5" name="Content Placeholder 4">
-            <a:extLst>
-              <a:ext uri="{FF2B5EF4-FFF2-40B4-BE49-F238E27FC236}">
-                <a16:creationId xmlns:a16="http://schemas.microsoft.com/office/drawing/2014/main" id="{3AD765FF-B75F-EE44-8048-EBF91D43B53E}"/>
-              </a:ext>
-            </a:extLst>
-          </p:cNvPr>
-          <p:cNvPicPr>
-            <a:picLocks noGrp="1" noChangeAspect="1"/>
-          </p:cNvPicPr>
-          <p:nvPr>
-            <p:ph sz="quarter" idx="13"/>
-          </p:nvPr>
-        </p:nvPicPr>
-        <p:blipFill>
-          <a:blip r:embed="rId2"/>
-          <a:stretch>
-            <a:fillRect/>
-          </a:stretch>
-        </p:blipFill>
-        <p:spPr>
-          <a:xfrm>
-            <a:off x="4559299" y="2214694"/>
-            <a:ext cx="6992189" cy="3614606"/>
-          </a:xfrm>
-        </p:spPr>
-      </p:pic>
-      <p:sp>
-        <p:nvSpPr>
-          <p:cNvPr id="6" name="TextBox 5">
-            <a:extLst>
-              <a:ext uri="{FF2B5EF4-FFF2-40B4-BE49-F238E27FC236}">
-                <a16:creationId xmlns:a16="http://schemas.microsoft.com/office/drawing/2014/main" id="{700821A1-6E51-C741-AA72-B65740EDADE9}"/>
-              </a:ext>
-            </a:extLst>
-          </p:cNvPr>
-          <p:cNvSpPr txBox="1"/>
-          <p:nvPr/>
-        </p:nvSpPr>
-        <p:spPr>
-          <a:xfrm>
-            <a:off x="1028700" y="2349500"/>
-            <a:ext cx="4508500" cy="2554545"/>
-          </a:xfrm>
-          <a:prstGeom prst="rect">
-            <a:avLst/>
-          </a:prstGeom>
-          <a:noFill/>
-        </p:spPr>
-        <p:txBody>
-          <a:bodyPr wrap="square" rtlCol="0">
-            <a:spAutoFit/>
-          </a:bodyPr>
-          <a:lstStyle/>
-          <a:p>
-            <a:r>
-              <a:rPr lang="en-US" altLang="zh-CN" sz="3200" dirty="0"/>
-              <a:t>Tagging</a:t>
-            </a:r>
-          </a:p>
-          <a:p>
-            <a:endParaRPr lang="en-US" altLang="zh-CN" sz="3200" dirty="0"/>
-          </a:p>
-          <a:p>
-            <a:r>
-              <a:rPr lang="en-US" altLang="zh-CN" sz="3200" dirty="0"/>
-              <a:t>Extract</a:t>
-            </a:r>
-            <a:r>
-              <a:rPr lang="zh-CN" altLang="en-US" sz="3200" dirty="0"/>
-              <a:t> </a:t>
-            </a:r>
-            <a:r>
-              <a:rPr lang="en-US" altLang="zh-CN" sz="3200" dirty="0"/>
-              <a:t>entity</a:t>
-            </a:r>
-          </a:p>
-          <a:p>
-            <a:endParaRPr lang="en-US" altLang="zh-CN" sz="3200" dirty="0"/>
-          </a:p>
-          <a:p>
-            <a:r>
-              <a:rPr lang="en-US" altLang="zh-CN" sz="3200" dirty="0"/>
-              <a:t>Get</a:t>
-            </a:r>
-            <a:r>
-              <a:rPr lang="zh-CN" altLang="en-US" sz="3200" dirty="0"/>
-              <a:t> </a:t>
-            </a:r>
-            <a:r>
-              <a:rPr lang="en-US" altLang="zh-CN" sz="3200" dirty="0"/>
-              <a:t>relevance</a:t>
-            </a:r>
-            <a:r>
-              <a:rPr lang="zh-CN" altLang="en-US" sz="3200" dirty="0"/>
-              <a:t> </a:t>
-            </a:r>
-            <a:r>
-              <a:rPr lang="en-US" altLang="zh-CN" sz="3200" dirty="0"/>
-              <a:t>value</a:t>
-            </a:r>
-            <a:endParaRPr lang="en-US" sz="3200" dirty="0"/>
-          </a:p>
-        </p:txBody>
-      </p:sp>
-    </p:spTree>
-    <p:extLst>
-      <p:ext uri="{BB962C8B-B14F-4D97-AF65-F5344CB8AC3E}">
-        <p14:creationId xmlns:p14="http://schemas.microsoft.com/office/powerpoint/2010/main" val="3009931412"/>
-      </p:ext>
-    </p:extLst>
-  </p:cSld>
-  <p:clrMapOvr>
-    <a:masterClrMapping/>
-  </p:clrMapOvr>
-</p:sld>
-</file>
-
-<file path=ppt/slides/slide6.xml><?xml version="1.0" encoding="utf-8"?>
-<p:sld xmlns:a="http://schemas.openxmlformats.org/drawingml/2006/main" xmlns:r="http://schemas.openxmlformats.org/officeDocument/2006/relationships" xmlns:p="http://schemas.openxmlformats.org/presentationml/2006/main">
-  <p:cSld>
-    <p:spTree>
-      <p:nvGrpSpPr>
-        <p:cNvPr id="1" name=""/>
-        <p:cNvGrpSpPr/>
-        <p:nvPr/>
-      </p:nvGrpSpPr>
-      <p:grpSpPr>
-        <a:xfrm>
-          <a:off x="0" y="0"/>
-          <a:ext cx="0" cy="0"/>
-          <a:chOff x="0" y="0"/>
-          <a:chExt cx="0" cy="0"/>
-        </a:xfrm>
-      </p:grpSpPr>
-      <p:sp>
-        <p:nvSpPr>
-          <p:cNvPr id="2" name="Title 1">
-            <a:extLst>
-              <a:ext uri="{FF2B5EF4-FFF2-40B4-BE49-F238E27FC236}">
-                <a16:creationId xmlns:a16="http://schemas.microsoft.com/office/drawing/2014/main" id="{B2394A78-F951-1543-B740-C3DFE552A263}"/>
-              </a:ext>
-            </a:extLst>
-          </p:cNvPr>
-          <p:cNvSpPr>
-            <a:spLocks noGrp="1"/>
-          </p:cNvSpPr>
-          <p:nvPr>
-            <p:ph type="title"/>
-          </p:nvPr>
-        </p:nvSpPr>
-        <p:spPr/>
-        <p:txBody>
-          <a:bodyPr/>
-          <a:lstStyle/>
-          <a:p>
-            <a:r>
-              <a:rPr lang="en-US" dirty="0"/>
-              <a:t>Topic modeling</a:t>
-            </a:r>
-          </a:p>
-        </p:txBody>
-      </p:sp>
-      <p:sp>
-        <p:nvSpPr>
-          <p:cNvPr id="6" name="TextBox 5">
-            <a:extLst>
-              <a:ext uri="{FF2B5EF4-FFF2-40B4-BE49-F238E27FC236}">
-                <a16:creationId xmlns:a16="http://schemas.microsoft.com/office/drawing/2014/main" id="{6AB290EE-E066-1F4B-B432-A6623CE5B6C6}"/>
-              </a:ext>
-            </a:extLst>
-          </p:cNvPr>
-          <p:cNvSpPr txBox="1"/>
-          <p:nvPr/>
-        </p:nvSpPr>
-        <p:spPr>
-          <a:xfrm>
-            <a:off x="1193800" y="1875631"/>
-            <a:ext cx="5873750" cy="1477328"/>
-          </a:xfrm>
-          <a:prstGeom prst="rect">
-            <a:avLst/>
-          </a:prstGeom>
-          <a:noFill/>
-        </p:spPr>
-        <p:txBody>
-          <a:bodyPr wrap="square" rtlCol="0">
-            <a:spAutoFit/>
-          </a:bodyPr>
-          <a:lstStyle/>
-          <a:p>
-            <a:pPr marL="285750" indent="-285750">
-              <a:buFont typeface="Arial" panose="020B0604020202020204" pitchFamily="34" charset="0"/>
-              <a:buChar char="•"/>
-            </a:pPr>
-            <a:r>
-              <a:rPr lang="en-US" altLang="zh-CN" dirty="0"/>
-              <a:t>Total</a:t>
-            </a:r>
-            <a:r>
-              <a:rPr lang="zh-CN" altLang="en-US" dirty="0"/>
-              <a:t> </a:t>
-            </a:r>
-            <a:r>
-              <a:rPr lang="en-US" altLang="zh-CN" dirty="0"/>
-              <a:t>number</a:t>
-            </a:r>
-            <a:r>
-              <a:rPr lang="zh-CN" altLang="en-US" dirty="0"/>
-              <a:t> </a:t>
-            </a:r>
-            <a:r>
-              <a:rPr lang="en-US" altLang="zh-CN" dirty="0"/>
-              <a:t>of</a:t>
-            </a:r>
-            <a:r>
-              <a:rPr lang="zh-CN" altLang="en-US" dirty="0"/>
-              <a:t> </a:t>
-            </a:r>
-            <a:r>
-              <a:rPr lang="en-US" altLang="zh-CN" dirty="0"/>
-              <a:t>titles</a:t>
-            </a:r>
-            <a:r>
-              <a:rPr lang="zh-CN" altLang="en-US" dirty="0"/>
-              <a:t> </a:t>
-            </a:r>
-            <a:r>
-              <a:rPr lang="en-US" altLang="zh-CN" dirty="0"/>
-              <a:t>from</a:t>
-            </a:r>
-            <a:r>
-              <a:rPr lang="zh-CN" altLang="en-US" dirty="0"/>
-              <a:t> </a:t>
-            </a:r>
-            <a:r>
-              <a:rPr lang="en-US" altLang="zh-CN" dirty="0"/>
-              <a:t>clean</a:t>
-            </a:r>
-            <a:r>
-              <a:rPr lang="zh-CN" altLang="en-US" dirty="0"/>
-              <a:t> </a:t>
-            </a:r>
-            <a:r>
-              <a:rPr lang="en-US" altLang="zh-CN" dirty="0"/>
-              <a:t>dataset:</a:t>
-            </a:r>
-            <a:r>
-              <a:rPr lang="zh-CN" altLang="en-US" dirty="0"/>
-              <a:t> </a:t>
-            </a:r>
-            <a:r>
-              <a:rPr lang="en-US" altLang="zh-CN" dirty="0"/>
-              <a:t>5022</a:t>
-            </a:r>
-          </a:p>
-          <a:p>
-            <a:pPr marL="285750" indent="-285750">
-              <a:buFont typeface="Arial" panose="020B0604020202020204" pitchFamily="34" charset="0"/>
-              <a:buChar char="•"/>
-            </a:pPr>
-            <a:endParaRPr lang="en-US" dirty="0"/>
-          </a:p>
-          <a:p>
-            <a:pPr marL="285750" indent="-285750">
-              <a:buFont typeface="Arial" panose="020B0604020202020204" pitchFamily="34" charset="0"/>
-              <a:buChar char="•"/>
-            </a:pPr>
-            <a:endParaRPr lang="en-US" dirty="0"/>
-          </a:p>
-          <a:p>
-            <a:pPr marL="285750" indent="-285750">
-              <a:buFont typeface="Arial" panose="020B0604020202020204" pitchFamily="34" charset="0"/>
-              <a:buChar char="•"/>
-            </a:pPr>
-            <a:endParaRPr lang="en-US" dirty="0"/>
-          </a:p>
-          <a:p>
-            <a:pPr marL="285750" indent="-285750">
-              <a:buFont typeface="Arial" panose="020B0604020202020204" pitchFamily="34" charset="0"/>
-              <a:buChar char="•"/>
-            </a:pPr>
-            <a:endParaRPr lang="en-US" dirty="0"/>
-          </a:p>
-        </p:txBody>
-      </p:sp>
-      <p:pic>
-        <p:nvPicPr>
-          <p:cNvPr id="10" name="Content Placeholder 9">
-            <a:extLst>
-              <a:ext uri="{FF2B5EF4-FFF2-40B4-BE49-F238E27FC236}">
-                <a16:creationId xmlns:a16="http://schemas.microsoft.com/office/drawing/2014/main" id="{A3A65999-74AF-714F-AB1E-8F8A5875C7EA}"/>
-              </a:ext>
-            </a:extLst>
-          </p:cNvPr>
-          <p:cNvPicPr>
-            <a:picLocks noGrp="1" noChangeAspect="1"/>
-          </p:cNvPicPr>
-          <p:nvPr>
-            <p:ph sz="quarter" idx="13"/>
-          </p:nvPr>
-        </p:nvPicPr>
-        <p:blipFill>
-          <a:blip r:embed="rId2"/>
-          <a:stretch>
-            <a:fillRect/>
-          </a:stretch>
-        </p:blipFill>
-        <p:spPr>
-          <a:xfrm>
-            <a:off x="1619250" y="2307430"/>
-            <a:ext cx="4972050" cy="1901591"/>
-          </a:xfrm>
-        </p:spPr>
-      </p:pic>
-      <p:sp>
-        <p:nvSpPr>
-          <p:cNvPr id="11" name="TextBox 10">
-            <a:extLst>
-              <a:ext uri="{FF2B5EF4-FFF2-40B4-BE49-F238E27FC236}">
-                <a16:creationId xmlns:a16="http://schemas.microsoft.com/office/drawing/2014/main" id="{C2322C9E-4802-C549-8662-F5088EE87EC8}"/>
-              </a:ext>
-            </a:extLst>
-          </p:cNvPr>
-          <p:cNvSpPr txBox="1"/>
-          <p:nvPr/>
-        </p:nvSpPr>
-        <p:spPr>
-          <a:xfrm>
-            <a:off x="1193800" y="4402931"/>
-            <a:ext cx="5873750" cy="2585323"/>
-          </a:xfrm>
-          <a:prstGeom prst="rect">
-            <a:avLst/>
-          </a:prstGeom>
-          <a:noFill/>
-        </p:spPr>
-        <p:txBody>
-          <a:bodyPr wrap="square" rtlCol="0">
-            <a:spAutoFit/>
-          </a:bodyPr>
-          <a:lstStyle/>
-          <a:p>
-            <a:pPr marL="285750" indent="-285750">
-              <a:buFont typeface="Arial" panose="020B0604020202020204" pitchFamily="34" charset="0"/>
-              <a:buChar char="•"/>
-            </a:pPr>
-            <a:r>
-              <a:rPr lang="en-US" altLang="zh-CN" dirty="0"/>
-              <a:t>Topic</a:t>
-            </a:r>
-            <a:r>
-              <a:rPr lang="zh-CN" altLang="en-US" dirty="0"/>
-              <a:t> </a:t>
-            </a:r>
-            <a:r>
-              <a:rPr lang="en-US" altLang="zh-CN" dirty="0"/>
-              <a:t>Clustering</a:t>
-            </a:r>
-          </a:p>
-          <a:p>
-            <a:pPr marL="285750" indent="-285750">
-              <a:buFont typeface="Arial" panose="020B0604020202020204" pitchFamily="34" charset="0"/>
-              <a:buChar char="•"/>
-            </a:pPr>
-            <a:endParaRPr lang="en-US" altLang="zh-CN" dirty="0"/>
-          </a:p>
-          <a:p>
-            <a:r>
-              <a:rPr lang="en-US" altLang="zh-CN" dirty="0"/>
-              <a:t>	</a:t>
-            </a:r>
-          </a:p>
-          <a:p>
-            <a:r>
-              <a:rPr lang="zh-CN" altLang="en-US" dirty="0"/>
-              <a:t>          </a:t>
-            </a:r>
-            <a:r>
-              <a:rPr lang="en-US" altLang="zh-CN" dirty="0"/>
-              <a:t>Result</a:t>
-            </a:r>
-            <a:r>
-              <a:rPr lang="zh-CN" altLang="en-US" dirty="0"/>
-              <a:t> </a:t>
-            </a:r>
-            <a:r>
-              <a:rPr lang="en-US" altLang="zh-CN" dirty="0"/>
-              <a:t>is</a:t>
-            </a:r>
-            <a:r>
-              <a:rPr lang="zh-CN" altLang="en-US" dirty="0"/>
-              <a:t> </a:t>
-            </a:r>
-            <a:r>
-              <a:rPr lang="en-US" altLang="zh-CN" dirty="0"/>
-              <a:t>not</a:t>
-            </a:r>
-            <a:r>
-              <a:rPr lang="zh-CN" altLang="en-US" dirty="0"/>
-              <a:t> </a:t>
-            </a:r>
-            <a:endParaRPr lang="en-US" altLang="zh-CN" dirty="0"/>
-          </a:p>
-          <a:p>
-            <a:r>
-              <a:rPr lang="en-US" altLang="zh-CN" dirty="0"/>
-              <a:t>	</a:t>
-            </a:r>
-            <a:r>
-              <a:rPr lang="zh-CN" altLang="en-US" dirty="0"/>
-              <a:t>   </a:t>
-            </a:r>
-            <a:r>
-              <a:rPr lang="en-US" altLang="zh-CN" dirty="0"/>
-              <a:t>so</a:t>
-            </a:r>
-            <a:r>
-              <a:rPr lang="zh-CN" altLang="en-US" dirty="0"/>
-              <a:t> </a:t>
-            </a:r>
-            <a:r>
-              <a:rPr lang="en-US" altLang="zh-CN" dirty="0"/>
-              <a:t>good.</a:t>
-            </a:r>
-          </a:p>
-          <a:p>
-            <a:pPr marL="285750" indent="-285750">
-              <a:buFont typeface="Arial" panose="020B0604020202020204" pitchFamily="34" charset="0"/>
-              <a:buChar char="•"/>
-            </a:pPr>
-            <a:endParaRPr lang="en-US" dirty="0"/>
-          </a:p>
-          <a:p>
-            <a:pPr marL="285750" indent="-285750">
-              <a:buFont typeface="Arial" panose="020B0604020202020204" pitchFamily="34" charset="0"/>
-              <a:buChar char="•"/>
-            </a:pPr>
-            <a:endParaRPr lang="en-US" dirty="0"/>
-          </a:p>
-          <a:p>
-            <a:pPr marL="285750" indent="-285750">
-              <a:buFont typeface="Arial" panose="020B0604020202020204" pitchFamily="34" charset="0"/>
-              <a:buChar char="•"/>
-            </a:pPr>
-            <a:endParaRPr lang="en-US" dirty="0"/>
-          </a:p>
-          <a:p>
-            <a:pPr marL="285750" indent="-285750">
-              <a:buFont typeface="Arial" panose="020B0604020202020204" pitchFamily="34" charset="0"/>
-              <a:buChar char="•"/>
-            </a:pPr>
-            <a:endParaRPr lang="en-US" dirty="0"/>
-          </a:p>
-        </p:txBody>
-      </p:sp>
-      <p:pic>
-        <p:nvPicPr>
-          <p:cNvPr id="13" name="Picture 12">
-            <a:extLst>
-              <a:ext uri="{FF2B5EF4-FFF2-40B4-BE49-F238E27FC236}">
-                <a16:creationId xmlns:a16="http://schemas.microsoft.com/office/drawing/2014/main" id="{CAF2B527-414D-7D4C-A0E0-205DCED40F98}"/>
-              </a:ext>
-            </a:extLst>
-          </p:cNvPr>
-          <p:cNvPicPr>
-            <a:picLocks noChangeAspect="1"/>
-          </p:cNvPicPr>
-          <p:nvPr/>
-        </p:nvPicPr>
-        <p:blipFill>
-          <a:blip r:embed="rId3"/>
-          <a:stretch>
-            <a:fillRect/>
-          </a:stretch>
-        </p:blipFill>
-        <p:spPr>
-          <a:xfrm>
-            <a:off x="3435350" y="4402931"/>
-            <a:ext cx="3155950" cy="2130667"/>
-          </a:xfrm>
-          <a:prstGeom prst="rect">
-            <a:avLst/>
-          </a:prstGeom>
-        </p:spPr>
-      </p:pic>
-    </p:spTree>
-    <p:extLst>
-      <p:ext uri="{BB962C8B-B14F-4D97-AF65-F5344CB8AC3E}">
-        <p14:creationId xmlns:p14="http://schemas.microsoft.com/office/powerpoint/2010/main" val="3992058570"/>
-      </p:ext>
-    </p:extLst>
-  </p:cSld>
-  <p:clrMapOvr>
-    <a:masterClrMapping/>
-  </p:clrMapOvr>
-</p:sld>
-</file>
-
 <file path=ppt/slides/slide7.xml><?xml version="1.0" encoding="utf-8"?>
 <p:sld xmlns:a="http://schemas.openxmlformats.org/drawingml/2006/main" xmlns:r="http://schemas.openxmlformats.org/officeDocument/2006/relationships" xmlns:p="http://schemas.openxmlformats.org/presentationml/2006/main">
   <p:cSld>
@@ -7782,7 +7677,7 @@
           <p:cNvPr id="2" name="Title 1">
             <a:extLst>
               <a:ext uri="{FF2B5EF4-FFF2-40B4-BE49-F238E27FC236}">
-                <a16:creationId xmlns:a16="http://schemas.microsoft.com/office/drawing/2014/main" id="{AE350872-672F-0D46-AC2E-945ED5EEA612}"/>
+                <a16:creationId xmlns:a16="http://schemas.microsoft.com/office/drawing/2014/main" id="{17ADC497-FEBF-AE4A-8B5A-6772E2CB064D}"/>
               </a:ext>
             </a:extLst>
           </p:cNvPr>
@@ -7793,29 +7688,53 @@
             <p:ph type="title"/>
           </p:nvPr>
         </p:nvSpPr>
-        <p:spPr>
-          <a:xfrm>
-            <a:off x="913149" y="0"/>
-            <a:ext cx="10364451" cy="1596177"/>
-          </a:xfrm>
-        </p:spPr>
+        <p:spPr/>
         <p:txBody>
           <a:bodyPr/>
           <a:lstStyle/>
           <a:p>
             <a:r>
               <a:rPr lang="en-US" dirty="0"/>
-              <a:t>Topic taxonomy</a:t>
-            </a:r>
-          </a:p>
-        </p:txBody>
-      </p:sp>
+              <a:t>Named entity recognition</a:t>
+            </a:r>
+          </a:p>
+        </p:txBody>
+      </p:sp>
+      <p:pic>
+        <p:nvPicPr>
+          <p:cNvPr id="5" name="Content Placeholder 4">
+            <a:extLst>
+              <a:ext uri="{FF2B5EF4-FFF2-40B4-BE49-F238E27FC236}">
+                <a16:creationId xmlns:a16="http://schemas.microsoft.com/office/drawing/2014/main" id="{3AD765FF-B75F-EE44-8048-EBF91D43B53E}"/>
+              </a:ext>
+            </a:extLst>
+          </p:cNvPr>
+          <p:cNvPicPr>
+            <a:picLocks noGrp="1" noChangeAspect="1"/>
+          </p:cNvPicPr>
+          <p:nvPr>
+            <p:ph sz="quarter" idx="13"/>
+          </p:nvPr>
+        </p:nvPicPr>
+        <p:blipFill>
+          <a:blip r:embed="rId2"/>
+          <a:stretch>
+            <a:fillRect/>
+          </a:stretch>
+        </p:blipFill>
+        <p:spPr>
+          <a:xfrm>
+            <a:off x="4559299" y="2214694"/>
+            <a:ext cx="6992189" cy="3614606"/>
+          </a:xfrm>
+        </p:spPr>
+      </p:pic>
       <p:sp>
         <p:nvSpPr>
           <p:cNvPr id="6" name="TextBox 5">
             <a:extLst>
               <a:ext uri="{FF2B5EF4-FFF2-40B4-BE49-F238E27FC236}">
-                <a16:creationId xmlns:a16="http://schemas.microsoft.com/office/drawing/2014/main" id="{762ECEFF-6EA6-0C4F-85F6-D538237573F0}"/>
+                <a16:creationId xmlns:a16="http://schemas.microsoft.com/office/drawing/2014/main" id="{700821A1-6E51-C741-AA72-B65740EDADE9}"/>
               </a:ext>
             </a:extLst>
           </p:cNvPr>
@@ -7824,8 +7743,8 @@
         </p:nvSpPr>
         <p:spPr>
           <a:xfrm>
-            <a:off x="912524" y="5092700"/>
-            <a:ext cx="9960034" cy="1477328"/>
+            <a:off x="1028700" y="2349500"/>
+            <a:ext cx="4508500" cy="2554545"/>
           </a:xfrm>
           <a:prstGeom prst="rect">
             <a:avLst/>
@@ -7833,1136 +7752,65 @@
           <a:noFill/>
         </p:spPr>
         <p:txBody>
-          <a:bodyPr wrap="none" rtlCol="0">
-            <a:spAutoFit/>
-          </a:bodyPr>
-          <a:lstStyle/>
-          <a:p>
-            <a:r>
-              <a:rPr lang="en-US" altLang="zh-CN" dirty="0"/>
-              <a:t>Testing</a:t>
-            </a:r>
-            <a:r>
-              <a:rPr lang="zh-CN" altLang="en-US" dirty="0"/>
-              <a:t> </a:t>
-            </a:r>
-            <a:r>
-              <a:rPr lang="en-US" altLang="zh-CN" dirty="0"/>
-              <a:t>and</a:t>
-            </a:r>
-            <a:r>
-              <a:rPr lang="zh-CN" altLang="en-US" dirty="0"/>
-              <a:t> </a:t>
-            </a:r>
-            <a:r>
-              <a:rPr lang="en-US" altLang="zh-CN" dirty="0"/>
-              <a:t>Finding:</a:t>
-            </a:r>
-            <a:endParaRPr lang="en-US" dirty="0"/>
-          </a:p>
-          <a:p>
-            <a:r>
-              <a:rPr lang="en-US" altLang="zh-CN" dirty="0"/>
-              <a:t>How</a:t>
-            </a:r>
-            <a:r>
-              <a:rPr lang="zh-CN" altLang="en-US" dirty="0"/>
-              <a:t> </a:t>
-            </a:r>
-            <a:r>
-              <a:rPr lang="en-US" altLang="zh-CN" dirty="0"/>
-              <a:t>would</a:t>
-            </a:r>
-            <a:r>
-              <a:rPr lang="zh-CN" altLang="en-US" dirty="0"/>
-              <a:t> </a:t>
-            </a:r>
-            <a:r>
-              <a:rPr lang="en-US" altLang="zh-CN" dirty="0"/>
-              <a:t>below</a:t>
-            </a:r>
-            <a:r>
-              <a:rPr lang="zh-CN" altLang="en-US" dirty="0"/>
-              <a:t> </a:t>
-            </a:r>
-            <a:r>
-              <a:rPr lang="en-US" altLang="zh-CN" dirty="0"/>
-              <a:t>articles</a:t>
-            </a:r>
-            <a:r>
-              <a:rPr lang="zh-CN" altLang="en-US" dirty="0"/>
-              <a:t> </a:t>
-            </a:r>
-            <a:r>
-              <a:rPr lang="en-US" altLang="zh-CN" dirty="0"/>
-              <a:t>classified</a:t>
-            </a:r>
-            <a:r>
-              <a:rPr lang="zh-CN" altLang="en-US" dirty="0"/>
-              <a:t> </a:t>
-            </a:r>
-            <a:r>
-              <a:rPr lang="en-US" altLang="zh-CN" dirty="0"/>
-              <a:t>into</a:t>
-            </a:r>
-            <a:r>
-              <a:rPr lang="zh-CN" altLang="en-US" dirty="0"/>
-              <a:t> </a:t>
-            </a:r>
-            <a:r>
-              <a:rPr lang="en-US" dirty="0"/>
-              <a:t>Company</a:t>
-            </a:r>
-            <a:r>
-              <a:rPr lang="zh-CN" altLang="en-US" dirty="0"/>
-              <a:t> </a:t>
-            </a:r>
-            <a:r>
-              <a:rPr lang="en-US" altLang="zh-CN" dirty="0"/>
-              <a:t>Corporation</a:t>
-            </a:r>
-            <a:r>
-              <a:rPr lang="zh-CN" altLang="en-US" dirty="0"/>
-              <a:t> </a:t>
-            </a:r>
-            <a:r>
-              <a:rPr lang="en-US" altLang="zh-CN" dirty="0"/>
-              <a:t>and</a:t>
-            </a:r>
-            <a:r>
-              <a:rPr lang="zh-CN" altLang="en-US" dirty="0"/>
-              <a:t> </a:t>
-            </a:r>
-            <a:r>
-              <a:rPr lang="en-US" altLang="zh-CN" dirty="0"/>
-              <a:t>Competition</a:t>
-            </a:r>
-            <a:r>
-              <a:rPr lang="zh-CN" altLang="en-US" dirty="0"/>
-              <a:t>：</a:t>
-            </a:r>
-            <a:endParaRPr lang="en-US" altLang="zh-CN" dirty="0"/>
-          </a:p>
-          <a:p>
-            <a:r>
-              <a:rPr lang="en-US" dirty="0"/>
-              <a:t>‘China </a:t>
-            </a:r>
-            <a:r>
-              <a:rPr lang="en-US" dirty="0">
-                <a:highlight>
-                  <a:srgbClr val="FFFF00"/>
-                </a:highlight>
-              </a:rPr>
-              <a:t>Bans</a:t>
-            </a:r>
-            <a:r>
-              <a:rPr lang="en-US" dirty="0"/>
-              <a:t> </a:t>
-            </a:r>
-            <a:r>
-              <a:rPr lang="en-US" dirty="0">
-                <a:highlight>
-                  <a:srgbClr val="FFFF00"/>
-                </a:highlight>
-              </a:rPr>
-              <a:t>Sale</a:t>
-            </a:r>
-            <a:r>
-              <a:rPr lang="en-US" dirty="0"/>
-              <a:t> Of Multiple iPhone Models But Apple Is Not Giving Up Just Yet’</a:t>
-            </a:r>
-            <a:r>
-              <a:rPr lang="zh-CN" altLang="en-US" dirty="0"/>
-              <a:t>  </a:t>
-            </a:r>
-            <a:r>
-              <a:rPr lang="en-US" altLang="zh-CN" dirty="0"/>
-              <a:t>-</a:t>
-            </a:r>
-            <a:r>
-              <a:rPr lang="zh-CN" altLang="en-US" dirty="0"/>
-              <a:t> </a:t>
-            </a:r>
-            <a:r>
-              <a:rPr lang="en-US" dirty="0">
-                <a:solidFill>
-                  <a:srgbClr val="FF0000"/>
-                </a:solidFill>
-              </a:rPr>
-              <a:t>Policy Change</a:t>
-            </a:r>
-            <a:endParaRPr lang="en-US" dirty="0"/>
-          </a:p>
-          <a:p>
-            <a:r>
-              <a:rPr lang="en-US" dirty="0"/>
-              <a:t>‘Apple </a:t>
-            </a:r>
-            <a:r>
-              <a:rPr lang="en-US" dirty="0">
-                <a:highlight>
-                  <a:srgbClr val="FFFF00"/>
-                </a:highlight>
-              </a:rPr>
-              <a:t>iPhone</a:t>
-            </a:r>
-            <a:r>
-              <a:rPr lang="en-US" dirty="0"/>
-              <a:t> to Google </a:t>
-            </a:r>
-            <a:r>
-              <a:rPr lang="en-US" dirty="0">
-                <a:highlight>
-                  <a:srgbClr val="FFFF00"/>
-                </a:highlight>
-              </a:rPr>
-              <a:t>Pixel</a:t>
-            </a:r>
-            <a:r>
-              <a:rPr lang="en-US" dirty="0"/>
-              <a:t> 3: How to transfer contacts, messages, calendars and media‘,</a:t>
-            </a:r>
-            <a:r>
-              <a:rPr lang="zh-CN" altLang="en-US" dirty="0"/>
-              <a:t> </a:t>
-            </a:r>
-            <a:r>
-              <a:rPr lang="en-US" altLang="zh-CN" dirty="0"/>
-              <a:t>-</a:t>
-            </a:r>
-            <a:r>
-              <a:rPr lang="zh-CN" altLang="en-US" dirty="0"/>
-              <a:t> </a:t>
-            </a:r>
-            <a:r>
-              <a:rPr lang="en-US" dirty="0">
-                <a:solidFill>
-                  <a:srgbClr val="FF0000"/>
-                </a:solidFill>
-              </a:rPr>
-              <a:t>Smart Phone</a:t>
-            </a:r>
-          </a:p>
-          <a:p>
-            <a:r>
-              <a:rPr lang="en-US" altLang="zh-CN" b="1" dirty="0"/>
-              <a:t>’</a:t>
-            </a:r>
-            <a:r>
-              <a:rPr lang="en-US" b="1" dirty="0"/>
-              <a:t>Apple Shares Drop to Lowest in Over 3 Months on iPhone Suppliers‘ Warnings</a:t>
-            </a:r>
-            <a:r>
-              <a:rPr lang="en-US" altLang="zh-CN" b="1" dirty="0"/>
-              <a:t>’</a:t>
-            </a:r>
-            <a:r>
-              <a:rPr lang="zh-CN" altLang="en-US" b="1" dirty="0"/>
-              <a:t> </a:t>
-            </a:r>
-            <a:r>
-              <a:rPr lang="en-US" altLang="zh-CN" b="1" dirty="0"/>
-              <a:t>-</a:t>
-            </a:r>
-            <a:r>
-              <a:rPr lang="zh-CN" altLang="en-US" b="1" dirty="0"/>
-              <a:t> </a:t>
-            </a:r>
-            <a:r>
-              <a:rPr lang="en-US" dirty="0">
-                <a:solidFill>
-                  <a:srgbClr val="FF0000"/>
-                </a:solidFill>
-              </a:rPr>
-              <a:t>Trading and Investing</a:t>
-            </a:r>
-            <a:endParaRPr lang="en-US" dirty="0"/>
-          </a:p>
-        </p:txBody>
-      </p:sp>
-      <p:sp>
-        <p:nvSpPr>
-          <p:cNvPr id="8" name="Content Placeholder 7">
-            <a:extLst>
-              <a:ext uri="{FF2B5EF4-FFF2-40B4-BE49-F238E27FC236}">
-                <a16:creationId xmlns:a16="http://schemas.microsoft.com/office/drawing/2014/main" id="{52DB700C-3DAF-6C4D-8055-8BA5FAE93377}"/>
-              </a:ext>
-            </a:extLst>
-          </p:cNvPr>
-          <p:cNvSpPr>
-            <a:spLocks noGrp="1"/>
-          </p:cNvSpPr>
-          <p:nvPr>
-            <p:ph sz="quarter" idx="13"/>
-          </p:nvPr>
-        </p:nvSpPr>
-        <p:spPr>
-          <a:xfrm>
-            <a:off x="913149" y="970092"/>
-            <a:ext cx="10363826" cy="4275008"/>
-          </a:xfrm>
-        </p:spPr>
-        <p:txBody>
-          <a:bodyPr>
-            <a:normAutofit lnSpcReduction="10000"/>
-          </a:bodyPr>
-          <a:lstStyle/>
-          <a:p>
-            <a:pPr marL="0" indent="0">
-              <a:buNone/>
-            </a:pPr>
-            <a:r>
-              <a:rPr lang="en-US" sz="1000" dirty="0" err="1"/>
-              <a:t>topic_taxonomy</a:t>
-            </a:r>
-            <a:r>
-              <a:rPr lang="en-US" sz="1000" dirty="0"/>
-              <a:t> = {</a:t>
-            </a:r>
-          </a:p>
-          <a:p>
-            <a:pPr marL="0" indent="0">
-              <a:buNone/>
-            </a:pPr>
-            <a:r>
-              <a:rPr lang="en-US" sz="1000" dirty="0"/>
-              <a:t>    </a:t>
-            </a:r>
-            <a:r>
-              <a:rPr lang="en-US" sz="1000" dirty="0">
-                <a:solidFill>
-                  <a:srgbClr val="FF0000"/>
-                </a:solidFill>
-              </a:rPr>
-              <a:t>"Business"</a:t>
-            </a:r>
-            <a:r>
-              <a:rPr lang="en-US" sz="1000" dirty="0"/>
-              <a:t>:</a:t>
-            </a:r>
-          </a:p>
-          <a:p>
-            <a:pPr marL="0" indent="0">
-              <a:buNone/>
-            </a:pPr>
-            <a:r>
-              <a:rPr lang="en-US" sz="1000" dirty="0"/>
-              <a:t>    {</a:t>
-            </a:r>
-          </a:p>
-          <a:p>
-            <a:pPr marL="0" indent="0">
-              <a:buNone/>
-            </a:pPr>
-            <a:r>
-              <a:rPr lang="en-US" sz="1000" dirty="0">
-                <a:solidFill>
-                  <a:srgbClr val="FF0000"/>
-                </a:solidFill>
-              </a:rPr>
-              <a:t>        "Trading and Investing": "stock trade sale </a:t>
-            </a:r>
-            <a:r>
-              <a:rPr lang="en-US" sz="1000" dirty="0" err="1">
-                <a:solidFill>
-                  <a:srgbClr val="FF0000"/>
-                </a:solidFill>
-              </a:rPr>
-              <a:t>dow</a:t>
-            </a:r>
-            <a:r>
-              <a:rPr lang="en-US" sz="1000" dirty="0">
-                <a:solidFill>
-                  <a:srgbClr val="FF0000"/>
-                </a:solidFill>
-              </a:rPr>
-              <a:t> market invest acquire merge purchase subsidiary",</a:t>
-            </a:r>
-          </a:p>
-          <a:p>
-            <a:pPr marL="0" indent="0">
-              <a:buNone/>
-            </a:pPr>
-            <a:r>
-              <a:rPr lang="en-US" sz="1000" dirty="0">
-                <a:solidFill>
-                  <a:srgbClr val="FF0000"/>
-                </a:solidFill>
-              </a:rPr>
-              <a:t>        "Company Corporation and Competition": "compete partnership rivalry win lose deal </a:t>
-            </a:r>
-            <a:r>
-              <a:rPr lang="en-US" sz="1000" dirty="0" err="1">
-                <a:solidFill>
-                  <a:srgbClr val="FF0000"/>
-                </a:solidFill>
-              </a:rPr>
-              <a:t>giveup</a:t>
-            </a:r>
-            <a:r>
-              <a:rPr lang="en-US" sz="1000" dirty="0">
-                <a:solidFill>
-                  <a:srgbClr val="FF0000"/>
-                </a:solidFill>
-              </a:rPr>
-              <a:t>",</a:t>
-            </a:r>
-          </a:p>
-          <a:p>
-            <a:pPr marL="0" indent="0">
-              <a:buNone/>
-            </a:pPr>
-            <a:r>
-              <a:rPr lang="en-US" sz="1000" dirty="0">
-                <a:solidFill>
-                  <a:srgbClr val="FF0000"/>
-                </a:solidFill>
-              </a:rPr>
-              <a:t>        “Policy Change”: “operation change organizational policy support transfer</a:t>
-            </a:r>
-            <a:r>
-              <a:rPr lang="zh-CN" altLang="en-US" sz="1000" dirty="0">
-                <a:solidFill>
-                  <a:srgbClr val="FF0000"/>
-                </a:solidFill>
-              </a:rPr>
-              <a:t> </a:t>
-            </a:r>
-            <a:r>
-              <a:rPr lang="en-US" altLang="zh-CN" sz="1000" dirty="0">
-                <a:solidFill>
-                  <a:srgbClr val="FF0000"/>
-                </a:solidFill>
-              </a:rPr>
-              <a:t>BAN</a:t>
-            </a:r>
-            <a:r>
-              <a:rPr lang="en-US" sz="1000" dirty="0">
-                <a:solidFill>
-                  <a:srgbClr val="FF0000"/>
-                </a:solidFill>
-              </a:rPr>
-              <a:t>"</a:t>
-            </a:r>
-          </a:p>
-          <a:p>
-            <a:pPr marL="0" indent="0">
-              <a:buNone/>
-            </a:pPr>
-            <a:r>
-              <a:rPr lang="en-US" sz="1000" dirty="0"/>
-              <a:t>    },</a:t>
-            </a:r>
-          </a:p>
-          <a:p>
-            <a:pPr marL="0" indent="0">
-              <a:buNone/>
-            </a:pPr>
-            <a:r>
-              <a:rPr lang="en-US" sz="1000" dirty="0"/>
-              <a:t>    </a:t>
-            </a:r>
-            <a:r>
-              <a:rPr lang="en-US" sz="1000" dirty="0">
-                <a:solidFill>
-                  <a:srgbClr val="FF0000"/>
-                </a:solidFill>
-              </a:rPr>
-              <a:t>"Technology"</a:t>
-            </a:r>
-            <a:r>
-              <a:rPr lang="en-US" sz="1000" dirty="0"/>
-              <a:t>:</a:t>
-            </a:r>
-          </a:p>
-          <a:p>
-            <a:pPr marL="0" indent="0">
-              <a:buNone/>
-            </a:pPr>
-            <a:r>
-              <a:rPr lang="en-US" sz="1000" dirty="0"/>
-              <a:t>    {</a:t>
-            </a:r>
-          </a:p>
-          <a:p>
-            <a:pPr marL="0" indent="0">
-              <a:buNone/>
-            </a:pPr>
-            <a:r>
-              <a:rPr lang="en-US" sz="1000" dirty="0">
-                <a:solidFill>
-                  <a:srgbClr val="FF0000"/>
-                </a:solidFill>
-              </a:rPr>
-              <a:t>        "Laptop": "</a:t>
-            </a:r>
-            <a:r>
-              <a:rPr lang="en-US" sz="1000" dirty="0" err="1">
-                <a:solidFill>
-                  <a:srgbClr val="FF0000"/>
-                </a:solidFill>
-              </a:rPr>
-              <a:t>microsoft</a:t>
-            </a:r>
-            <a:r>
-              <a:rPr lang="en-US" sz="1000" dirty="0">
-                <a:solidFill>
-                  <a:srgbClr val="FF0000"/>
-                </a:solidFill>
-              </a:rPr>
-              <a:t> mac pro air surface </a:t>
-            </a:r>
-            <a:r>
-              <a:rPr lang="en-US" sz="1000" dirty="0" err="1">
-                <a:solidFill>
-                  <a:srgbClr val="FF0000"/>
-                </a:solidFill>
-              </a:rPr>
-              <a:t>lenovo</a:t>
-            </a:r>
-            <a:r>
-              <a:rPr lang="en-US" sz="1000" dirty="0">
-                <a:solidFill>
-                  <a:srgbClr val="FF0000"/>
-                </a:solidFill>
-              </a:rPr>
-              <a:t> dell </a:t>
-            </a:r>
-            <a:r>
-              <a:rPr lang="en-US" sz="1000" dirty="0" err="1">
-                <a:solidFill>
-                  <a:srgbClr val="FF0000"/>
-                </a:solidFill>
-              </a:rPr>
-              <a:t>alienware</a:t>
-            </a:r>
-            <a:r>
-              <a:rPr lang="en-US" sz="1000" dirty="0">
-                <a:solidFill>
-                  <a:srgbClr val="FF0000"/>
-                </a:solidFill>
-              </a:rPr>
-              <a:t> </a:t>
-            </a:r>
-            <a:r>
-              <a:rPr lang="en-US" sz="1000" dirty="0" err="1">
-                <a:solidFill>
-                  <a:srgbClr val="FF0000"/>
-                </a:solidFill>
-              </a:rPr>
-              <a:t>asus</a:t>
-            </a:r>
-            <a:r>
-              <a:rPr lang="en-US" sz="1000" dirty="0">
-                <a:solidFill>
-                  <a:srgbClr val="FF0000"/>
-                </a:solidFill>
-              </a:rPr>
-              <a:t> apple",</a:t>
-            </a:r>
-          </a:p>
-          <a:p>
-            <a:pPr marL="0" indent="0">
-              <a:buNone/>
-            </a:pPr>
-            <a:r>
-              <a:rPr lang="en-US" sz="1000" dirty="0">
-                <a:solidFill>
-                  <a:srgbClr val="FF0000"/>
-                </a:solidFill>
-              </a:rPr>
-              <a:t>        “Smart Phone”: “</a:t>
-            </a:r>
-            <a:r>
-              <a:rPr lang="en-US" sz="1000" dirty="0" err="1">
-                <a:solidFill>
-                  <a:srgbClr val="FF0000"/>
-                </a:solidFill>
-              </a:rPr>
-              <a:t>iphone</a:t>
-            </a:r>
-            <a:r>
-              <a:rPr lang="en-US" sz="1000" dirty="0">
-                <a:solidFill>
-                  <a:srgbClr val="FF0000"/>
-                </a:solidFill>
-              </a:rPr>
-              <a:t> android </a:t>
-            </a:r>
-            <a:r>
-              <a:rPr lang="en-US" altLang="zh-CN" sz="1000" dirty="0">
-                <a:solidFill>
-                  <a:srgbClr val="FF0000"/>
-                </a:solidFill>
-              </a:rPr>
-              <a:t>pixel</a:t>
-            </a:r>
-            <a:r>
-              <a:rPr lang="zh-CN" altLang="en-US" sz="1000" dirty="0">
-                <a:solidFill>
-                  <a:srgbClr val="FF0000"/>
-                </a:solidFill>
-              </a:rPr>
-              <a:t> </a:t>
-            </a:r>
-            <a:r>
-              <a:rPr lang="en-US" sz="1000" dirty="0">
-                <a:solidFill>
-                  <a:srgbClr val="FF0000"/>
-                </a:solidFill>
-              </a:rPr>
-              <a:t>nexus </a:t>
-            </a:r>
-            <a:r>
-              <a:rPr lang="en-US" sz="1000" dirty="0" err="1">
-                <a:solidFill>
-                  <a:srgbClr val="FF0000"/>
-                </a:solidFill>
-              </a:rPr>
-              <a:t>huawei</a:t>
-            </a:r>
-            <a:r>
-              <a:rPr lang="en-US" sz="1000" dirty="0">
-                <a:solidFill>
-                  <a:srgbClr val="FF0000"/>
-                </a:solidFill>
-              </a:rPr>
-              <a:t> </a:t>
-            </a:r>
-            <a:r>
-              <a:rPr lang="en-US" sz="1000" dirty="0" err="1">
-                <a:solidFill>
-                  <a:srgbClr val="FF0000"/>
-                </a:solidFill>
-              </a:rPr>
-              <a:t>xiaomi</a:t>
-            </a:r>
-            <a:r>
-              <a:rPr lang="zh-CN" altLang="en-US" sz="1000" dirty="0">
-                <a:solidFill>
-                  <a:srgbClr val="FF0000"/>
-                </a:solidFill>
-              </a:rPr>
-              <a:t> </a:t>
-            </a:r>
-            <a:r>
-              <a:rPr lang="en-US" altLang="zh-CN" sz="1000" dirty="0">
-                <a:solidFill>
-                  <a:srgbClr val="FF0000"/>
-                </a:solidFill>
-              </a:rPr>
-              <a:t>text</a:t>
-            </a:r>
-            <a:r>
-              <a:rPr lang="zh-CN" altLang="en-US" sz="1000" dirty="0">
-                <a:solidFill>
-                  <a:srgbClr val="FF0000"/>
-                </a:solidFill>
-              </a:rPr>
-              <a:t> </a:t>
-            </a:r>
-            <a:r>
-              <a:rPr lang="en-US" altLang="zh-CN" sz="1000" dirty="0">
-                <a:solidFill>
-                  <a:srgbClr val="FF0000"/>
-                </a:solidFill>
-              </a:rPr>
-              <a:t>message</a:t>
-            </a:r>
-            <a:r>
-              <a:rPr lang="en-US" sz="1000" dirty="0">
-                <a:solidFill>
-                  <a:srgbClr val="FF0000"/>
-                </a:solidFill>
-              </a:rPr>
-              <a:t>",</a:t>
-            </a:r>
-          </a:p>
-          <a:p>
-            <a:pPr marL="0" indent="0">
-              <a:buNone/>
-            </a:pPr>
-            <a:r>
-              <a:rPr lang="en-US" sz="1000" dirty="0">
-                <a:solidFill>
-                  <a:srgbClr val="FF0000"/>
-                </a:solidFill>
-              </a:rPr>
-              <a:t>        "Intelligent Home Appliance": "</a:t>
-            </a:r>
-            <a:r>
-              <a:rPr lang="en-US" sz="1000" dirty="0" err="1">
-                <a:solidFill>
-                  <a:srgbClr val="FF0000"/>
-                </a:solidFill>
-              </a:rPr>
-              <a:t>alexa</a:t>
-            </a:r>
-            <a:r>
-              <a:rPr lang="en-US" sz="1000" dirty="0">
-                <a:solidFill>
-                  <a:srgbClr val="FF0000"/>
-                </a:solidFill>
-              </a:rPr>
-              <a:t> home mini </a:t>
-            </a:r>
-            <a:r>
-              <a:rPr lang="en-US" sz="1000" dirty="0" err="1">
-                <a:solidFill>
-                  <a:srgbClr val="FF0000"/>
-                </a:solidFill>
-              </a:rPr>
-              <a:t>ipod</a:t>
-            </a:r>
-            <a:r>
-              <a:rPr lang="en-US" sz="1000" dirty="0">
-                <a:solidFill>
-                  <a:srgbClr val="FF0000"/>
-                </a:solidFill>
-              </a:rPr>
-              <a:t> </a:t>
-            </a:r>
-            <a:r>
-              <a:rPr lang="en-US" sz="1000" dirty="0" err="1">
-                <a:solidFill>
-                  <a:srgbClr val="FF0000"/>
-                </a:solidFill>
-              </a:rPr>
-              <a:t>ipad</a:t>
-            </a:r>
-            <a:r>
-              <a:rPr lang="en-US" sz="1000" dirty="0">
-                <a:solidFill>
-                  <a:srgbClr val="FF0000"/>
-                </a:solidFill>
-              </a:rPr>
-              <a:t> amazon"</a:t>
-            </a:r>
-          </a:p>
-          <a:p>
-            <a:pPr marL="0" indent="0">
-              <a:buNone/>
-            </a:pPr>
-            <a:r>
-              <a:rPr lang="en-US" sz="1000" dirty="0"/>
-              <a:t>    }</a:t>
-            </a:r>
-          </a:p>
-          <a:p>
-            <a:pPr marL="0" indent="0">
-              <a:buNone/>
-            </a:pPr>
-            <a:r>
-              <a:rPr lang="en-US" sz="1000" dirty="0"/>
-              <a:t>}</a:t>
-            </a:r>
-          </a:p>
-        </p:txBody>
-      </p:sp>
-      <p:sp>
-        <p:nvSpPr>
-          <p:cNvPr id="9" name="TextBox 8">
-            <a:extLst>
-              <a:ext uri="{FF2B5EF4-FFF2-40B4-BE49-F238E27FC236}">
-                <a16:creationId xmlns:a16="http://schemas.microsoft.com/office/drawing/2014/main" id="{FC2DEB1B-11B2-E143-AFE7-55E7B4EF6861}"/>
-              </a:ext>
-            </a:extLst>
-          </p:cNvPr>
-          <p:cNvSpPr txBox="1"/>
-          <p:nvPr/>
-        </p:nvSpPr>
-        <p:spPr>
-          <a:xfrm>
-            <a:off x="7518088" y="3107596"/>
-            <a:ext cx="3758887" cy="2031325"/>
-          </a:xfrm>
-          <a:prstGeom prst="rect">
-            <a:avLst/>
-          </a:prstGeom>
-          <a:noFill/>
-        </p:spPr>
-        <p:txBody>
           <a:bodyPr wrap="square" rtlCol="0">
             <a:spAutoFit/>
           </a:bodyPr>
           <a:lstStyle/>
           <a:p>
             <a:r>
-              <a:rPr lang="en-US" altLang="zh-CN" dirty="0"/>
-              <a:t>What</a:t>
-            </a:r>
-            <a:r>
-              <a:rPr lang="zh-CN" altLang="en-US" dirty="0"/>
-              <a:t> </a:t>
-            </a:r>
-            <a:r>
-              <a:rPr lang="en-US" altLang="zh-CN" dirty="0"/>
-              <a:t>these</a:t>
-            </a:r>
-            <a:r>
-              <a:rPr lang="zh-CN" altLang="en-US" dirty="0"/>
-              <a:t> </a:t>
-            </a:r>
-            <a:r>
-              <a:rPr lang="en-US" altLang="zh-CN" dirty="0"/>
-              <a:t>revealed:</a:t>
-            </a:r>
-          </a:p>
-          <a:p>
-            <a:pPr marL="285750" indent="-285750">
-              <a:buFont typeface="Arial" panose="020B0604020202020204" pitchFamily="34" charset="0"/>
-              <a:buChar char="•"/>
-            </a:pPr>
-            <a:r>
-              <a:rPr lang="en-US" dirty="0">
-                <a:solidFill>
-                  <a:srgbClr val="FF0000"/>
-                </a:solidFill>
-              </a:rPr>
-              <a:t>Apple shares </a:t>
-            </a:r>
-            <a:r>
-              <a:rPr lang="en-US" altLang="zh-CN" dirty="0">
-                <a:solidFill>
-                  <a:srgbClr val="FF0000"/>
-                </a:solidFill>
-              </a:rPr>
-              <a:t>keep</a:t>
-            </a:r>
-            <a:r>
-              <a:rPr lang="zh-CN" altLang="en-US" dirty="0">
-                <a:solidFill>
-                  <a:srgbClr val="FF0000"/>
-                </a:solidFill>
-              </a:rPr>
-              <a:t> </a:t>
-            </a:r>
-            <a:r>
-              <a:rPr lang="en-US" altLang="zh-CN" dirty="0">
-                <a:solidFill>
-                  <a:srgbClr val="FF0000"/>
-                </a:solidFill>
-              </a:rPr>
-              <a:t>falling</a:t>
-            </a:r>
-            <a:r>
-              <a:rPr lang="zh-CN" altLang="en-US" dirty="0">
-                <a:solidFill>
-                  <a:srgbClr val="FF0000"/>
-                </a:solidFill>
-              </a:rPr>
-              <a:t> </a:t>
-            </a:r>
-            <a:r>
-              <a:rPr lang="en-US" dirty="0">
-                <a:solidFill>
-                  <a:srgbClr val="FF0000"/>
-                </a:solidFill>
-              </a:rPr>
-              <a:t>in </a:t>
-            </a:r>
-            <a:r>
-              <a:rPr lang="en-US" altLang="zh-CN" dirty="0">
-                <a:solidFill>
-                  <a:srgbClr val="FF0000"/>
-                </a:solidFill>
-              </a:rPr>
-              <a:t>last</a:t>
-            </a:r>
-            <a:r>
-              <a:rPr lang="zh-CN" altLang="en-US" dirty="0">
-                <a:solidFill>
-                  <a:srgbClr val="FF0000"/>
-                </a:solidFill>
-              </a:rPr>
-              <a:t> </a:t>
-            </a:r>
-            <a:r>
-              <a:rPr lang="en-US" dirty="0">
-                <a:solidFill>
-                  <a:srgbClr val="FF0000"/>
-                </a:solidFill>
-              </a:rPr>
-              <a:t>three months</a:t>
-            </a:r>
-            <a:r>
-              <a:rPr lang="en-US" dirty="0"/>
-              <a:t> </a:t>
-            </a:r>
-          </a:p>
-          <a:p>
-            <a:pPr marL="285750" indent="-285750">
-              <a:buFont typeface="Arial" panose="020B0604020202020204" pitchFamily="34" charset="0"/>
-              <a:buChar char="•"/>
-            </a:pPr>
-            <a:r>
-              <a:rPr lang="en-US" altLang="zh-CN" dirty="0">
-                <a:solidFill>
-                  <a:schemeClr val="accent2">
-                    <a:lumMod val="75000"/>
-                  </a:schemeClr>
-                </a:solidFill>
-              </a:rPr>
-              <a:t>Apple</a:t>
-            </a:r>
-            <a:r>
-              <a:rPr lang="zh-CN" altLang="en-US" dirty="0">
-                <a:solidFill>
-                  <a:schemeClr val="accent2">
-                    <a:lumMod val="75000"/>
-                  </a:schemeClr>
-                </a:solidFill>
-              </a:rPr>
-              <a:t> </a:t>
-            </a:r>
-            <a:r>
-              <a:rPr lang="en-US" altLang="zh-CN" dirty="0">
-                <a:solidFill>
-                  <a:schemeClr val="accent2">
-                    <a:lumMod val="75000"/>
-                  </a:schemeClr>
-                </a:solidFill>
-              </a:rPr>
-              <a:t>watch</a:t>
-            </a:r>
-            <a:r>
-              <a:rPr lang="zh-CN" altLang="en-US" dirty="0">
-                <a:solidFill>
-                  <a:schemeClr val="accent2">
-                    <a:lumMod val="75000"/>
-                  </a:schemeClr>
-                </a:solidFill>
-              </a:rPr>
-              <a:t> </a:t>
-            </a:r>
-            <a:r>
-              <a:rPr lang="en-US" altLang="zh-CN" dirty="0">
-                <a:solidFill>
-                  <a:schemeClr val="accent2">
-                    <a:lumMod val="75000"/>
-                  </a:schemeClr>
-                </a:solidFill>
-              </a:rPr>
-              <a:t>wins</a:t>
-            </a:r>
-            <a:r>
-              <a:rPr lang="zh-CN" altLang="en-US" dirty="0">
-                <a:solidFill>
-                  <a:schemeClr val="accent2">
-                    <a:lumMod val="75000"/>
-                  </a:schemeClr>
-                </a:solidFill>
-              </a:rPr>
-              <a:t> </a:t>
-            </a:r>
-            <a:r>
-              <a:rPr lang="en-US" altLang="zh-CN" dirty="0">
-                <a:solidFill>
-                  <a:schemeClr val="accent2">
-                    <a:lumMod val="75000"/>
-                  </a:schemeClr>
-                </a:solidFill>
-              </a:rPr>
-              <a:t>more</a:t>
-            </a:r>
-            <a:r>
-              <a:rPr lang="zh-CN" altLang="en-US" dirty="0">
-                <a:solidFill>
-                  <a:schemeClr val="accent2">
-                    <a:lumMod val="75000"/>
-                  </a:schemeClr>
-                </a:solidFill>
-              </a:rPr>
-              <a:t> </a:t>
-            </a:r>
-            <a:r>
-              <a:rPr lang="en-US" altLang="zh-CN" dirty="0">
-                <a:solidFill>
-                  <a:schemeClr val="accent2">
-                    <a:lumMod val="75000"/>
-                  </a:schemeClr>
-                </a:solidFill>
-              </a:rPr>
-              <a:t>favorites</a:t>
-            </a:r>
-          </a:p>
-          <a:p>
-            <a:pPr marL="285750" indent="-285750">
-              <a:buFont typeface="Arial" panose="020B0604020202020204" pitchFamily="34" charset="0"/>
-              <a:buChar char="•"/>
-            </a:pPr>
-            <a:r>
-              <a:rPr lang="en-US" altLang="zh-CN" dirty="0">
-                <a:solidFill>
-                  <a:schemeClr val="accent5">
-                    <a:lumMod val="75000"/>
-                  </a:schemeClr>
-                </a:solidFill>
-              </a:rPr>
-              <a:t>Apple</a:t>
-            </a:r>
-            <a:r>
-              <a:rPr lang="zh-CN" altLang="en-US" dirty="0">
-                <a:solidFill>
-                  <a:schemeClr val="accent5">
-                    <a:lumMod val="75000"/>
-                  </a:schemeClr>
-                </a:solidFill>
-              </a:rPr>
-              <a:t> </a:t>
-            </a:r>
-            <a:r>
-              <a:rPr lang="en-US" altLang="zh-CN" dirty="0">
-                <a:solidFill>
-                  <a:schemeClr val="accent5">
-                    <a:lumMod val="75000"/>
-                  </a:schemeClr>
-                </a:solidFill>
-              </a:rPr>
-              <a:t>is</a:t>
-            </a:r>
-            <a:r>
-              <a:rPr lang="zh-CN" altLang="en-US" dirty="0">
-                <a:solidFill>
-                  <a:schemeClr val="accent5">
-                    <a:lumMod val="75000"/>
-                  </a:schemeClr>
-                </a:solidFill>
-              </a:rPr>
-              <a:t> </a:t>
-            </a:r>
-            <a:r>
-              <a:rPr lang="en-US" altLang="zh-CN" dirty="0">
-                <a:solidFill>
-                  <a:schemeClr val="accent5">
-                    <a:lumMod val="75000"/>
-                  </a:schemeClr>
-                </a:solidFill>
-              </a:rPr>
-              <a:t>facing</a:t>
-            </a:r>
-            <a:r>
-              <a:rPr lang="zh-CN" altLang="en-US" dirty="0">
-                <a:solidFill>
-                  <a:schemeClr val="accent5">
-                    <a:lumMod val="75000"/>
-                  </a:schemeClr>
-                </a:solidFill>
-              </a:rPr>
-              <a:t> </a:t>
-            </a:r>
-            <a:r>
-              <a:rPr lang="en-US" altLang="zh-CN" dirty="0">
-                <a:solidFill>
-                  <a:schemeClr val="accent5">
-                    <a:lumMod val="75000"/>
-                  </a:schemeClr>
-                </a:solidFill>
-              </a:rPr>
-              <a:t>difficulties</a:t>
-            </a:r>
-            <a:r>
-              <a:rPr lang="zh-CN" altLang="en-US" dirty="0">
-                <a:solidFill>
-                  <a:schemeClr val="accent5">
-                    <a:lumMod val="75000"/>
-                  </a:schemeClr>
-                </a:solidFill>
-              </a:rPr>
-              <a:t> </a:t>
-            </a:r>
-            <a:r>
-              <a:rPr lang="en-US" altLang="zh-CN" dirty="0">
-                <a:solidFill>
-                  <a:schemeClr val="accent5">
-                    <a:lumMod val="75000"/>
-                  </a:schemeClr>
-                </a:solidFill>
-              </a:rPr>
-              <a:t>on</a:t>
-            </a:r>
-            <a:r>
-              <a:rPr lang="zh-CN" altLang="en-US" dirty="0">
-                <a:solidFill>
-                  <a:schemeClr val="accent5">
-                    <a:lumMod val="75000"/>
-                  </a:schemeClr>
-                </a:solidFill>
-              </a:rPr>
-              <a:t> </a:t>
-            </a:r>
-            <a:r>
-              <a:rPr lang="en-US" altLang="zh-CN" dirty="0">
-                <a:solidFill>
-                  <a:schemeClr val="accent5">
-                    <a:lumMod val="75000"/>
-                  </a:schemeClr>
-                </a:solidFill>
-              </a:rPr>
-              <a:t>expanding</a:t>
-            </a:r>
-            <a:r>
-              <a:rPr lang="zh-CN" altLang="en-US" dirty="0">
-                <a:solidFill>
-                  <a:schemeClr val="accent5">
-                    <a:lumMod val="75000"/>
-                  </a:schemeClr>
-                </a:solidFill>
-              </a:rPr>
-              <a:t> </a:t>
-            </a:r>
-            <a:r>
-              <a:rPr lang="en-US" altLang="zh-CN" dirty="0">
-                <a:solidFill>
-                  <a:schemeClr val="accent5">
-                    <a:lumMod val="75000"/>
-                  </a:schemeClr>
-                </a:solidFill>
-              </a:rPr>
-              <a:t>Chinese</a:t>
-            </a:r>
-            <a:r>
-              <a:rPr lang="zh-CN" altLang="en-US" dirty="0">
-                <a:solidFill>
-                  <a:schemeClr val="accent5">
-                    <a:lumMod val="75000"/>
-                  </a:schemeClr>
-                </a:solidFill>
-              </a:rPr>
-              <a:t> </a:t>
-            </a:r>
-            <a:r>
-              <a:rPr lang="en-US" altLang="zh-CN" dirty="0">
-                <a:solidFill>
-                  <a:schemeClr val="accent5">
-                    <a:lumMod val="75000"/>
-                  </a:schemeClr>
-                </a:solidFill>
-              </a:rPr>
-              <a:t>market</a:t>
-            </a:r>
-            <a:endParaRPr lang="en-US" dirty="0">
-              <a:solidFill>
-                <a:schemeClr val="accent5">
-                  <a:lumMod val="75000"/>
-                </a:schemeClr>
-              </a:solidFill>
-            </a:endParaRPr>
-          </a:p>
-          <a:p>
-            <a:pPr marL="285750" indent="-285750">
-              <a:buFont typeface="Arial" panose="020B0604020202020204" pitchFamily="34" charset="0"/>
-              <a:buChar char="•"/>
-            </a:pPr>
-            <a:endParaRPr lang="en-US" dirty="0"/>
+              <a:rPr lang="en-US" altLang="zh-CN" sz="3200" dirty="0"/>
+              <a:t>Tagging</a:t>
+            </a:r>
+          </a:p>
+          <a:p>
+            <a:endParaRPr lang="en-US" altLang="zh-CN" sz="3200" dirty="0"/>
+          </a:p>
+          <a:p>
+            <a:r>
+              <a:rPr lang="en-US" altLang="zh-CN" sz="3200" dirty="0"/>
+              <a:t>Extract</a:t>
+            </a:r>
+            <a:r>
+              <a:rPr lang="zh-CN" altLang="en-US" sz="3200" dirty="0"/>
+              <a:t> </a:t>
+            </a:r>
+            <a:r>
+              <a:rPr lang="en-US" altLang="zh-CN" sz="3200" dirty="0"/>
+              <a:t>entity</a:t>
+            </a:r>
+          </a:p>
+          <a:p>
+            <a:endParaRPr lang="en-US" altLang="zh-CN" sz="3200" dirty="0"/>
+          </a:p>
+          <a:p>
+            <a:r>
+              <a:rPr lang="en-US" altLang="zh-CN" sz="3200" dirty="0"/>
+              <a:t>Get</a:t>
+            </a:r>
+            <a:r>
+              <a:rPr lang="zh-CN" altLang="en-US" sz="3200" dirty="0"/>
+              <a:t> </a:t>
+            </a:r>
+            <a:r>
+              <a:rPr lang="en-US" altLang="zh-CN" sz="3200" dirty="0"/>
+              <a:t>relevance</a:t>
+            </a:r>
+            <a:r>
+              <a:rPr lang="zh-CN" altLang="en-US" sz="3200" dirty="0"/>
+              <a:t> </a:t>
+            </a:r>
+            <a:r>
+              <a:rPr lang="en-US" altLang="zh-CN" sz="3200" dirty="0"/>
+              <a:t>value</a:t>
+            </a:r>
+            <a:endParaRPr lang="en-US" sz="3200" dirty="0"/>
           </a:p>
         </p:txBody>
       </p:sp>
     </p:spTree>
     <p:extLst>
       <p:ext uri="{BB962C8B-B14F-4D97-AF65-F5344CB8AC3E}">
-        <p14:creationId xmlns:p14="http://schemas.microsoft.com/office/powerpoint/2010/main" val="1376847890"/>
+        <p14:creationId xmlns:p14="http://schemas.microsoft.com/office/powerpoint/2010/main" val="3009931412"/>
       </p:ext>
     </p:extLst>
   </p:cSld>
@@ -8994,7 +7842,7 @@
           <p:cNvPr id="2" name="Title 1">
             <a:extLst>
               <a:ext uri="{FF2B5EF4-FFF2-40B4-BE49-F238E27FC236}">
-                <a16:creationId xmlns:a16="http://schemas.microsoft.com/office/drawing/2014/main" id="{78C72D82-07F7-5E4D-82A8-3D0FBD1D3C05}"/>
+                <a16:creationId xmlns:a16="http://schemas.microsoft.com/office/drawing/2014/main" id="{B2394A78-F951-1543-B740-C3DFE552A263}"/>
               </a:ext>
             </a:extLst>
           </p:cNvPr>
@@ -9012,47 +7860,198 @@
           <a:p>
             <a:r>
               <a:rPr lang="en-US" dirty="0"/>
-              <a:t>Future improvement</a:t>
-            </a:r>
-          </a:p>
-        </p:txBody>
-      </p:sp>
-      <p:sp>
-        <p:nvSpPr>
-          <p:cNvPr id="3" name="Content Placeholder 2">
+              <a:t>Topic modeling</a:t>
+            </a:r>
+          </a:p>
+        </p:txBody>
+      </p:sp>
+      <p:sp>
+        <p:nvSpPr>
+          <p:cNvPr id="6" name="TextBox 5">
             <a:extLst>
               <a:ext uri="{FF2B5EF4-FFF2-40B4-BE49-F238E27FC236}">
-                <a16:creationId xmlns:a16="http://schemas.microsoft.com/office/drawing/2014/main" id="{1874C90C-2355-6E49-9A47-B08805805F7C}"/>
+                <a16:creationId xmlns:a16="http://schemas.microsoft.com/office/drawing/2014/main" id="{6AB290EE-E066-1F4B-B432-A6623CE5B6C6}"/>
               </a:ext>
             </a:extLst>
           </p:cNvPr>
-          <p:cNvSpPr>
-            <a:spLocks noGrp="1"/>
-          </p:cNvSpPr>
+          <p:cNvSpPr txBox="1"/>
+          <p:nvPr/>
+        </p:nvSpPr>
+        <p:spPr>
+          <a:xfrm>
+            <a:off x="1193800" y="1875631"/>
+            <a:ext cx="5873750" cy="1477328"/>
+          </a:xfrm>
+          <a:prstGeom prst="rect">
+            <a:avLst/>
+          </a:prstGeom>
+          <a:noFill/>
+        </p:spPr>
+        <p:txBody>
+          <a:bodyPr wrap="square" rtlCol="0">
+            <a:spAutoFit/>
+          </a:bodyPr>
+          <a:lstStyle/>
+          <a:p>
+            <a:pPr marL="285750" indent="-285750">
+              <a:buFont typeface="Arial" panose="020B0604020202020204" pitchFamily="34" charset="0"/>
+              <a:buChar char="•"/>
+            </a:pPr>
+            <a:r>
+              <a:rPr lang="en-US" altLang="zh-CN" dirty="0"/>
+              <a:t>Total</a:t>
+            </a:r>
+            <a:r>
+              <a:rPr lang="zh-CN" altLang="en-US" dirty="0"/>
+              <a:t> </a:t>
+            </a:r>
+            <a:r>
+              <a:rPr lang="en-US" altLang="zh-CN" dirty="0"/>
+              <a:t>number</a:t>
+            </a:r>
+            <a:r>
+              <a:rPr lang="zh-CN" altLang="en-US" dirty="0"/>
+              <a:t> </a:t>
+            </a:r>
+            <a:r>
+              <a:rPr lang="en-US" altLang="zh-CN" dirty="0"/>
+              <a:t>of</a:t>
+            </a:r>
+            <a:r>
+              <a:rPr lang="zh-CN" altLang="en-US" dirty="0"/>
+              <a:t> </a:t>
+            </a:r>
+            <a:r>
+              <a:rPr lang="en-US" altLang="zh-CN" dirty="0"/>
+              <a:t>titles</a:t>
+            </a:r>
+            <a:r>
+              <a:rPr lang="zh-CN" altLang="en-US" dirty="0"/>
+              <a:t> </a:t>
+            </a:r>
+            <a:r>
+              <a:rPr lang="en-US" altLang="zh-CN" dirty="0"/>
+              <a:t>from</a:t>
+            </a:r>
+            <a:r>
+              <a:rPr lang="zh-CN" altLang="en-US" dirty="0"/>
+              <a:t> </a:t>
+            </a:r>
+            <a:r>
+              <a:rPr lang="en-US" altLang="zh-CN" dirty="0"/>
+              <a:t>clean</a:t>
+            </a:r>
+            <a:r>
+              <a:rPr lang="zh-CN" altLang="en-US" dirty="0"/>
+              <a:t> </a:t>
+            </a:r>
+            <a:r>
+              <a:rPr lang="en-US" altLang="zh-CN" dirty="0"/>
+              <a:t>dataset:</a:t>
+            </a:r>
+            <a:r>
+              <a:rPr lang="zh-CN" altLang="en-US" dirty="0"/>
+              <a:t> </a:t>
+            </a:r>
+            <a:r>
+              <a:rPr lang="en-US" altLang="zh-CN" dirty="0"/>
+              <a:t>5022</a:t>
+            </a:r>
+          </a:p>
+          <a:p>
+            <a:pPr marL="285750" indent="-285750">
+              <a:buFont typeface="Arial" panose="020B0604020202020204" pitchFamily="34" charset="0"/>
+              <a:buChar char="•"/>
+            </a:pPr>
+            <a:endParaRPr lang="en-US" dirty="0"/>
+          </a:p>
+          <a:p>
+            <a:pPr marL="285750" indent="-285750">
+              <a:buFont typeface="Arial" panose="020B0604020202020204" pitchFamily="34" charset="0"/>
+              <a:buChar char="•"/>
+            </a:pPr>
+            <a:endParaRPr lang="en-US" dirty="0"/>
+          </a:p>
+          <a:p>
+            <a:pPr marL="285750" indent="-285750">
+              <a:buFont typeface="Arial" panose="020B0604020202020204" pitchFamily="34" charset="0"/>
+              <a:buChar char="•"/>
+            </a:pPr>
+            <a:endParaRPr lang="en-US" dirty="0"/>
+          </a:p>
+          <a:p>
+            <a:pPr marL="285750" indent="-285750">
+              <a:buFont typeface="Arial" panose="020B0604020202020204" pitchFamily="34" charset="0"/>
+              <a:buChar char="•"/>
+            </a:pPr>
+            <a:endParaRPr lang="en-US" dirty="0"/>
+          </a:p>
+        </p:txBody>
+      </p:sp>
+      <p:pic>
+        <p:nvPicPr>
+          <p:cNvPr id="10" name="Content Placeholder 9">
+            <a:extLst>
+              <a:ext uri="{FF2B5EF4-FFF2-40B4-BE49-F238E27FC236}">
+                <a16:creationId xmlns:a16="http://schemas.microsoft.com/office/drawing/2014/main" id="{A3A65999-74AF-714F-AB1E-8F8A5875C7EA}"/>
+              </a:ext>
+            </a:extLst>
+          </p:cNvPr>
+          <p:cNvPicPr>
+            <a:picLocks noGrp="1" noChangeAspect="1"/>
+          </p:cNvPicPr>
           <p:nvPr>
             <p:ph sz="quarter" idx="13"/>
           </p:nvPr>
-        </p:nvSpPr>
-        <p:spPr/>
-        <p:txBody>
-          <a:bodyPr/>
+        </p:nvPicPr>
+        <p:blipFill>
+          <a:blip r:embed="rId2"/>
+          <a:stretch>
+            <a:fillRect/>
+          </a:stretch>
+        </p:blipFill>
+        <p:spPr>
+          <a:xfrm>
+            <a:off x="1619250" y="2307430"/>
+            <a:ext cx="4972050" cy="1901591"/>
+          </a:xfrm>
+        </p:spPr>
+      </p:pic>
+      <p:sp>
+        <p:nvSpPr>
+          <p:cNvPr id="11" name="TextBox 10">
+            <a:extLst>
+              <a:ext uri="{FF2B5EF4-FFF2-40B4-BE49-F238E27FC236}">
+                <a16:creationId xmlns:a16="http://schemas.microsoft.com/office/drawing/2014/main" id="{C2322C9E-4802-C549-8662-F5088EE87EC8}"/>
+              </a:ext>
+            </a:extLst>
+          </p:cNvPr>
+          <p:cNvSpPr txBox="1"/>
+          <p:nvPr/>
+        </p:nvSpPr>
+        <p:spPr>
+          <a:xfrm>
+            <a:off x="1193800" y="4402931"/>
+            <a:ext cx="5873750" cy="2585323"/>
+          </a:xfrm>
+          <a:prstGeom prst="rect">
+            <a:avLst/>
+          </a:prstGeom>
+          <a:noFill/>
+        </p:spPr>
+        <p:txBody>
+          <a:bodyPr wrap="square" rtlCol="0">
+            <a:spAutoFit/>
+          </a:bodyPr>
           <a:lstStyle/>
           <a:p>
-            <a:r>
-              <a:rPr lang="en-US" dirty="0"/>
-              <a:t>Analyze on optimizing deduplication process time </a:t>
-            </a:r>
-          </a:p>
-          <a:p>
-            <a:r>
-              <a:rPr lang="en-US" dirty="0"/>
-              <a:t>Analyze on alternative algorithm for similarity calculation</a:t>
-            </a:r>
-          </a:p>
-          <a:p>
+            <a:pPr marL="285750" indent="-285750">
+              <a:buFont typeface="Arial" panose="020B0604020202020204" pitchFamily="34" charset="0"/>
+              <a:buChar char="•"/>
+            </a:pPr>
             <a:r>
               <a:rPr lang="en-US" altLang="zh-CN" dirty="0"/>
-              <a:t>Improve</a:t>
+              <a:t>Topic</a:t>
             </a:r>
             <a:r>
               <a:rPr lang="zh-CN" altLang="en-US" dirty="0"/>
@@ -9060,15 +8059,30 @@
             </a:r>
             <a:r>
               <a:rPr lang="en-US" altLang="zh-CN" dirty="0"/>
-              <a:t>LDA</a:t>
-            </a:r>
+              <a:t>Clustering</a:t>
+            </a:r>
+          </a:p>
+          <a:p>
+            <a:pPr marL="285750" indent="-285750">
+              <a:buFont typeface="Arial" panose="020B0604020202020204" pitchFamily="34" charset="0"/>
+              <a:buChar char="•"/>
+            </a:pPr>
+            <a:endParaRPr lang="en-US" altLang="zh-CN" dirty="0"/>
+          </a:p>
+          <a:p>
+            <a:r>
+              <a:rPr lang="en-US" altLang="zh-CN" dirty="0"/>
+              <a:t>	</a:t>
+            </a:r>
+          </a:p>
+          <a:p>
             <a:r>
               <a:rPr lang="zh-CN" altLang="en-US" dirty="0"/>
-              <a:t> </a:t>
+              <a:t>          </a:t>
             </a:r>
             <a:r>
               <a:rPr lang="en-US" altLang="zh-CN" dirty="0"/>
-              <a:t>model</a:t>
+              <a:t>Result</a:t>
             </a:r>
             <a:r>
               <a:rPr lang="zh-CN" altLang="en-US" dirty="0"/>
@@ -9076,7 +8090,7 @@
             </a:r>
             <a:r>
               <a:rPr lang="en-US" altLang="zh-CN" dirty="0"/>
-              <a:t>to</a:t>
+              <a:t>is</a:t>
             </a:r>
             <a:r>
               <a:rPr lang="zh-CN" altLang="en-US" dirty="0"/>
@@ -9084,92 +8098,1312 @@
             </a:r>
             <a:r>
               <a:rPr lang="en-US" altLang="zh-CN" dirty="0"/>
-              <a:t>get</a:t>
+              <a:t>not</a:t>
             </a:r>
             <a:r>
               <a:rPr lang="zh-CN" altLang="en-US" dirty="0"/>
               <a:t> </a:t>
             </a:r>
+            <a:endParaRPr lang="en-US" altLang="zh-CN" dirty="0"/>
+          </a:p>
+          <a:p>
             <a:r>
               <a:rPr lang="en-US" altLang="zh-CN" dirty="0"/>
-              <a:t>better</a:t>
+              <a:t>	</a:t>
             </a:r>
             <a:r>
               <a:rPr lang="zh-CN" altLang="en-US" dirty="0"/>
-              <a:t> </a:t>
+              <a:t>   </a:t>
             </a:r>
             <a:r>
               <a:rPr lang="en-US" altLang="zh-CN" dirty="0"/>
-              <a:t>cluster</a:t>
-            </a:r>
-          </a:p>
-          <a:p>
+              <a:t>so</a:t>
+            </a:r>
+            <a:r>
+              <a:rPr lang="zh-CN" altLang="en-US" dirty="0"/>
+              <a:t> </a:t>
+            </a:r>
             <a:r>
               <a:rPr lang="en-US" altLang="zh-CN" dirty="0"/>
-              <a:t>Build</a:t>
-            </a:r>
-            <a:r>
-              <a:rPr lang="zh-CN" altLang="en-US" dirty="0"/>
-              <a:t> </a:t>
-            </a:r>
-            <a:r>
-              <a:rPr lang="en-US" altLang="zh-CN" dirty="0"/>
-              <a:t>better</a:t>
-            </a:r>
-            <a:r>
-              <a:rPr lang="zh-CN" altLang="en-US" dirty="0"/>
-              <a:t> </a:t>
-            </a:r>
-            <a:r>
-              <a:rPr lang="en-US" altLang="zh-CN" dirty="0"/>
-              <a:t>taxonomy</a:t>
-            </a:r>
-          </a:p>
-          <a:p>
-            <a:r>
-              <a:rPr lang="en-US" altLang="zh-CN" dirty="0"/>
-              <a:t>Use</a:t>
-            </a:r>
-            <a:r>
-              <a:rPr lang="zh-CN" altLang="en-US" dirty="0"/>
-              <a:t> </a:t>
-            </a:r>
-            <a:r>
-              <a:rPr lang="en-US" altLang="zh-CN" dirty="0" err="1"/>
-              <a:t>nltk</a:t>
-            </a:r>
-            <a:r>
-              <a:rPr lang="zh-CN" altLang="en-US" dirty="0"/>
-              <a:t> </a:t>
-            </a:r>
-            <a:r>
-              <a:rPr lang="en-US" altLang="zh-CN" dirty="0"/>
-              <a:t>to</a:t>
-            </a:r>
-            <a:r>
-              <a:rPr lang="zh-CN" altLang="en-US" dirty="0"/>
-              <a:t> </a:t>
-            </a:r>
-            <a:r>
-              <a:rPr lang="en-US" altLang="zh-CN" dirty="0"/>
-              <a:t>analyze</a:t>
-            </a:r>
-            <a:r>
-              <a:rPr lang="zh-CN" altLang="en-US" dirty="0"/>
-              <a:t> </a:t>
-            </a:r>
-            <a:r>
-              <a:rPr lang="en-US" altLang="zh-CN" dirty="0"/>
-              <a:t>entities</a:t>
-            </a:r>
-            <a:endParaRPr lang="en-US" dirty="0"/>
-          </a:p>
-        </p:txBody>
-      </p:sp>
+              <a:t>good.</a:t>
+            </a:r>
+          </a:p>
+          <a:p>
+            <a:pPr marL="285750" indent="-285750">
+              <a:buFont typeface="Arial" panose="020B0604020202020204" pitchFamily="34" charset="0"/>
+              <a:buChar char="•"/>
+            </a:pPr>
+            <a:endParaRPr lang="en-US" dirty="0"/>
+          </a:p>
+          <a:p>
+            <a:pPr marL="285750" indent="-285750">
+              <a:buFont typeface="Arial" panose="020B0604020202020204" pitchFamily="34" charset="0"/>
+              <a:buChar char="•"/>
+            </a:pPr>
+            <a:endParaRPr lang="en-US" dirty="0"/>
+          </a:p>
+          <a:p>
+            <a:pPr marL="285750" indent="-285750">
+              <a:buFont typeface="Arial" panose="020B0604020202020204" pitchFamily="34" charset="0"/>
+              <a:buChar char="•"/>
+            </a:pPr>
+            <a:endParaRPr lang="en-US" dirty="0"/>
+          </a:p>
+          <a:p>
+            <a:pPr marL="285750" indent="-285750">
+              <a:buFont typeface="Arial" panose="020B0604020202020204" pitchFamily="34" charset="0"/>
+              <a:buChar char="•"/>
+            </a:pPr>
+            <a:endParaRPr lang="en-US" dirty="0"/>
+          </a:p>
+        </p:txBody>
+      </p:sp>
+      <p:pic>
+        <p:nvPicPr>
+          <p:cNvPr id="13" name="Picture 12">
+            <a:extLst>
+              <a:ext uri="{FF2B5EF4-FFF2-40B4-BE49-F238E27FC236}">
+                <a16:creationId xmlns:a16="http://schemas.microsoft.com/office/drawing/2014/main" id="{CAF2B527-414D-7D4C-A0E0-205DCED40F98}"/>
+              </a:ext>
+            </a:extLst>
+          </p:cNvPr>
+          <p:cNvPicPr>
+            <a:picLocks noChangeAspect="1"/>
+          </p:cNvPicPr>
+          <p:nvPr/>
+        </p:nvPicPr>
+        <p:blipFill>
+          <a:blip r:embed="rId3"/>
+          <a:stretch>
+            <a:fillRect/>
+          </a:stretch>
+        </p:blipFill>
+        <p:spPr>
+          <a:xfrm>
+            <a:off x="3435350" y="4402931"/>
+            <a:ext cx="3155950" cy="2130667"/>
+          </a:xfrm>
+          <a:prstGeom prst="rect">
+            <a:avLst/>
+          </a:prstGeom>
+        </p:spPr>
+      </p:pic>
     </p:spTree>
     <p:extLst>
       <p:ext uri="{BB962C8B-B14F-4D97-AF65-F5344CB8AC3E}">
-        <p14:creationId xmlns:p14="http://schemas.microsoft.com/office/powerpoint/2010/main" val="2699151588"/>
+        <p14:creationId xmlns:p14="http://schemas.microsoft.com/office/powerpoint/2010/main" val="3992058570"/>
+      </p:ext>
+    </p:extLst>
+  </p:cSld>
+  <p:clrMapOvr>
+    <a:masterClrMapping/>
+  </p:clrMapOvr>
+</p:sld>
+</file>
+
+<file path=ppt/slides/slide9.xml><?xml version="1.0" encoding="utf-8"?>
+<p:sld xmlns:a="http://schemas.openxmlformats.org/drawingml/2006/main" xmlns:r="http://schemas.openxmlformats.org/officeDocument/2006/relationships" xmlns:p="http://schemas.openxmlformats.org/presentationml/2006/main">
+  <p:cSld>
+    <p:spTree>
+      <p:nvGrpSpPr>
+        <p:cNvPr id="1" name=""/>
+        <p:cNvGrpSpPr/>
+        <p:nvPr/>
+      </p:nvGrpSpPr>
+      <p:grpSpPr>
+        <a:xfrm>
+          <a:off x="0" y="0"/>
+          <a:ext cx="0" cy="0"/>
+          <a:chOff x="0" y="0"/>
+          <a:chExt cx="0" cy="0"/>
+        </a:xfrm>
+      </p:grpSpPr>
+      <p:sp>
+        <p:nvSpPr>
+          <p:cNvPr id="2" name="Title 1">
+            <a:extLst>
+              <a:ext uri="{FF2B5EF4-FFF2-40B4-BE49-F238E27FC236}">
+                <a16:creationId xmlns:a16="http://schemas.microsoft.com/office/drawing/2014/main" id="{AE350872-672F-0D46-AC2E-945ED5EEA612}"/>
+              </a:ext>
+            </a:extLst>
+          </p:cNvPr>
+          <p:cNvSpPr>
+            <a:spLocks noGrp="1"/>
+          </p:cNvSpPr>
+          <p:nvPr>
+            <p:ph type="title"/>
+          </p:nvPr>
+        </p:nvSpPr>
+        <p:spPr>
+          <a:xfrm>
+            <a:off x="913149" y="0"/>
+            <a:ext cx="10364451" cy="1596177"/>
+          </a:xfrm>
+        </p:spPr>
+        <p:txBody>
+          <a:bodyPr/>
+          <a:lstStyle/>
+          <a:p>
+            <a:r>
+              <a:rPr lang="en-US" dirty="0"/>
+              <a:t>Topic taxonomy</a:t>
+            </a:r>
+          </a:p>
+        </p:txBody>
+      </p:sp>
+      <p:sp>
+        <p:nvSpPr>
+          <p:cNvPr id="6" name="TextBox 5">
+            <a:extLst>
+              <a:ext uri="{FF2B5EF4-FFF2-40B4-BE49-F238E27FC236}">
+                <a16:creationId xmlns:a16="http://schemas.microsoft.com/office/drawing/2014/main" id="{762ECEFF-6EA6-0C4F-85F6-D538237573F0}"/>
+              </a:ext>
+            </a:extLst>
+          </p:cNvPr>
+          <p:cNvSpPr txBox="1"/>
+          <p:nvPr/>
+        </p:nvSpPr>
+        <p:spPr>
+          <a:xfrm>
+            <a:off x="912524" y="5092700"/>
+            <a:ext cx="9960034" cy="1477328"/>
+          </a:xfrm>
+          <a:prstGeom prst="rect">
+            <a:avLst/>
+          </a:prstGeom>
+          <a:noFill/>
+        </p:spPr>
+        <p:txBody>
+          <a:bodyPr wrap="none" rtlCol="0">
+            <a:spAutoFit/>
+          </a:bodyPr>
+          <a:lstStyle/>
+          <a:p>
+            <a:r>
+              <a:rPr lang="en-US" altLang="zh-CN" dirty="0"/>
+              <a:t>Testing</a:t>
+            </a:r>
+            <a:r>
+              <a:rPr lang="zh-CN" altLang="en-US" dirty="0"/>
+              <a:t> </a:t>
+            </a:r>
+            <a:r>
+              <a:rPr lang="en-US" altLang="zh-CN" dirty="0"/>
+              <a:t>and</a:t>
+            </a:r>
+            <a:r>
+              <a:rPr lang="zh-CN" altLang="en-US" dirty="0"/>
+              <a:t> </a:t>
+            </a:r>
+            <a:r>
+              <a:rPr lang="en-US" altLang="zh-CN" dirty="0"/>
+              <a:t>Finding:</a:t>
+            </a:r>
+            <a:endParaRPr lang="en-US" dirty="0"/>
+          </a:p>
+          <a:p>
+            <a:r>
+              <a:rPr lang="en-US" altLang="zh-CN" dirty="0"/>
+              <a:t>How</a:t>
+            </a:r>
+            <a:r>
+              <a:rPr lang="zh-CN" altLang="en-US" dirty="0"/>
+              <a:t> </a:t>
+            </a:r>
+            <a:r>
+              <a:rPr lang="en-US" altLang="zh-CN" dirty="0"/>
+              <a:t>would</a:t>
+            </a:r>
+            <a:r>
+              <a:rPr lang="zh-CN" altLang="en-US" dirty="0"/>
+              <a:t> </a:t>
+            </a:r>
+            <a:r>
+              <a:rPr lang="en-US" altLang="zh-CN" dirty="0"/>
+              <a:t>below</a:t>
+            </a:r>
+            <a:r>
+              <a:rPr lang="zh-CN" altLang="en-US" dirty="0"/>
+              <a:t> </a:t>
+            </a:r>
+            <a:r>
+              <a:rPr lang="en-US" altLang="zh-CN" dirty="0"/>
+              <a:t>articles</a:t>
+            </a:r>
+            <a:r>
+              <a:rPr lang="zh-CN" altLang="en-US" dirty="0"/>
+              <a:t> </a:t>
+            </a:r>
+            <a:r>
+              <a:rPr lang="en-US" altLang="zh-CN" dirty="0"/>
+              <a:t>classified</a:t>
+            </a:r>
+            <a:r>
+              <a:rPr lang="zh-CN" altLang="en-US" dirty="0"/>
+              <a:t> </a:t>
+            </a:r>
+            <a:r>
+              <a:rPr lang="en-US" altLang="zh-CN" dirty="0"/>
+              <a:t>into</a:t>
+            </a:r>
+            <a:r>
+              <a:rPr lang="zh-CN" altLang="en-US" dirty="0"/>
+              <a:t> </a:t>
+            </a:r>
+            <a:r>
+              <a:rPr lang="en-US" dirty="0"/>
+              <a:t>Company</a:t>
+            </a:r>
+            <a:r>
+              <a:rPr lang="zh-CN" altLang="en-US" dirty="0"/>
+              <a:t> </a:t>
+            </a:r>
+            <a:r>
+              <a:rPr lang="en-US" altLang="zh-CN" dirty="0"/>
+              <a:t>Corporation</a:t>
+            </a:r>
+            <a:r>
+              <a:rPr lang="zh-CN" altLang="en-US" dirty="0"/>
+              <a:t> </a:t>
+            </a:r>
+            <a:r>
+              <a:rPr lang="en-US" altLang="zh-CN" dirty="0"/>
+              <a:t>and</a:t>
+            </a:r>
+            <a:r>
+              <a:rPr lang="zh-CN" altLang="en-US" dirty="0"/>
+              <a:t> </a:t>
+            </a:r>
+            <a:r>
+              <a:rPr lang="en-US" altLang="zh-CN" dirty="0"/>
+              <a:t>Competition</a:t>
+            </a:r>
+            <a:r>
+              <a:rPr lang="zh-CN" altLang="en-US" dirty="0"/>
+              <a:t>：</a:t>
+            </a:r>
+            <a:endParaRPr lang="en-US" altLang="zh-CN" dirty="0"/>
+          </a:p>
+          <a:p>
+            <a:r>
+              <a:rPr lang="en-US" dirty="0"/>
+              <a:t>‘China </a:t>
+            </a:r>
+            <a:r>
+              <a:rPr lang="en-US" dirty="0">
+                <a:highlight>
+                  <a:srgbClr val="FFFF00"/>
+                </a:highlight>
+              </a:rPr>
+              <a:t>Bans</a:t>
+            </a:r>
+            <a:r>
+              <a:rPr lang="en-US" dirty="0"/>
+              <a:t> </a:t>
+            </a:r>
+            <a:r>
+              <a:rPr lang="en-US" dirty="0">
+                <a:highlight>
+                  <a:srgbClr val="FFFF00"/>
+                </a:highlight>
+              </a:rPr>
+              <a:t>Sale</a:t>
+            </a:r>
+            <a:r>
+              <a:rPr lang="en-US" dirty="0"/>
+              <a:t> Of Multiple iPhone Models But Apple Is Not Giving Up Just Yet’</a:t>
+            </a:r>
+            <a:r>
+              <a:rPr lang="zh-CN" altLang="en-US" dirty="0"/>
+              <a:t>  </a:t>
+            </a:r>
+            <a:r>
+              <a:rPr lang="en-US" altLang="zh-CN" dirty="0"/>
+              <a:t>-</a:t>
+            </a:r>
+            <a:r>
+              <a:rPr lang="zh-CN" altLang="en-US" dirty="0"/>
+              <a:t> </a:t>
+            </a:r>
+            <a:r>
+              <a:rPr lang="en-US" dirty="0">
+                <a:solidFill>
+                  <a:srgbClr val="FF0000"/>
+                </a:solidFill>
+              </a:rPr>
+              <a:t>Policy Change</a:t>
+            </a:r>
+            <a:endParaRPr lang="en-US" dirty="0"/>
+          </a:p>
+          <a:p>
+            <a:r>
+              <a:rPr lang="en-US" dirty="0"/>
+              <a:t>‘Apple </a:t>
+            </a:r>
+            <a:r>
+              <a:rPr lang="en-US" dirty="0">
+                <a:highlight>
+                  <a:srgbClr val="FFFF00"/>
+                </a:highlight>
+              </a:rPr>
+              <a:t>iPhone</a:t>
+            </a:r>
+            <a:r>
+              <a:rPr lang="en-US" dirty="0"/>
+              <a:t> to Google </a:t>
+            </a:r>
+            <a:r>
+              <a:rPr lang="en-US" dirty="0">
+                <a:highlight>
+                  <a:srgbClr val="FFFF00"/>
+                </a:highlight>
+              </a:rPr>
+              <a:t>Pixel</a:t>
+            </a:r>
+            <a:r>
+              <a:rPr lang="en-US" dirty="0"/>
+              <a:t> 3: How to transfer contacts, messages, calendars and media‘,</a:t>
+            </a:r>
+            <a:r>
+              <a:rPr lang="zh-CN" altLang="en-US" dirty="0"/>
+              <a:t> </a:t>
+            </a:r>
+            <a:r>
+              <a:rPr lang="en-US" altLang="zh-CN" dirty="0"/>
+              <a:t>-</a:t>
+            </a:r>
+            <a:r>
+              <a:rPr lang="zh-CN" altLang="en-US" dirty="0"/>
+              <a:t> </a:t>
+            </a:r>
+            <a:r>
+              <a:rPr lang="en-US" dirty="0">
+                <a:solidFill>
+                  <a:srgbClr val="FF0000"/>
+                </a:solidFill>
+              </a:rPr>
+              <a:t>Smart Phone</a:t>
+            </a:r>
+          </a:p>
+          <a:p>
+            <a:r>
+              <a:rPr lang="en-US" altLang="zh-CN" b="1" dirty="0"/>
+              <a:t>’</a:t>
+            </a:r>
+            <a:r>
+              <a:rPr lang="en-US" b="1" dirty="0"/>
+              <a:t>Apple Shares Drop to Lowest in Over 3 Months on iPhone Suppliers‘ Warnings</a:t>
+            </a:r>
+            <a:r>
+              <a:rPr lang="en-US" altLang="zh-CN" b="1" dirty="0"/>
+              <a:t>’</a:t>
+            </a:r>
+            <a:r>
+              <a:rPr lang="zh-CN" altLang="en-US" b="1" dirty="0"/>
+              <a:t> </a:t>
+            </a:r>
+            <a:r>
+              <a:rPr lang="en-US" altLang="zh-CN" b="1" dirty="0"/>
+              <a:t>-</a:t>
+            </a:r>
+            <a:r>
+              <a:rPr lang="zh-CN" altLang="en-US" b="1" dirty="0"/>
+              <a:t> </a:t>
+            </a:r>
+            <a:r>
+              <a:rPr lang="en-US" dirty="0">
+                <a:solidFill>
+                  <a:srgbClr val="FF0000"/>
+                </a:solidFill>
+              </a:rPr>
+              <a:t>Trading and Investing</a:t>
+            </a:r>
+            <a:endParaRPr lang="en-US" dirty="0"/>
+          </a:p>
+        </p:txBody>
+      </p:sp>
+      <p:sp>
+        <p:nvSpPr>
+          <p:cNvPr id="8" name="Content Placeholder 7">
+            <a:extLst>
+              <a:ext uri="{FF2B5EF4-FFF2-40B4-BE49-F238E27FC236}">
+                <a16:creationId xmlns:a16="http://schemas.microsoft.com/office/drawing/2014/main" id="{52DB700C-3DAF-6C4D-8055-8BA5FAE93377}"/>
+              </a:ext>
+            </a:extLst>
+          </p:cNvPr>
+          <p:cNvSpPr>
+            <a:spLocks noGrp="1"/>
+          </p:cNvSpPr>
+          <p:nvPr>
+            <p:ph sz="quarter" idx="13"/>
+          </p:nvPr>
+        </p:nvSpPr>
+        <p:spPr>
+          <a:xfrm>
+            <a:off x="913149" y="970092"/>
+            <a:ext cx="10363826" cy="4275008"/>
+          </a:xfrm>
+        </p:spPr>
+        <p:txBody>
+          <a:bodyPr>
+            <a:normAutofit lnSpcReduction="10000"/>
+          </a:bodyPr>
+          <a:lstStyle/>
+          <a:p>
+            <a:pPr marL="0" indent="0">
+              <a:buNone/>
+            </a:pPr>
+            <a:r>
+              <a:rPr lang="en-US" sz="1000" dirty="0" err="1"/>
+              <a:t>topic_taxonomy</a:t>
+            </a:r>
+            <a:r>
+              <a:rPr lang="en-US" sz="1000" dirty="0"/>
+              <a:t> = {</a:t>
+            </a:r>
+          </a:p>
+          <a:p>
+            <a:pPr marL="0" indent="0">
+              <a:buNone/>
+            </a:pPr>
+            <a:r>
+              <a:rPr lang="en-US" sz="1000" dirty="0"/>
+              <a:t>    </a:t>
+            </a:r>
+            <a:r>
+              <a:rPr lang="en-US" sz="1000" dirty="0">
+                <a:solidFill>
+                  <a:srgbClr val="FF0000"/>
+                </a:solidFill>
+              </a:rPr>
+              <a:t>"Business"</a:t>
+            </a:r>
+            <a:r>
+              <a:rPr lang="en-US" sz="1000" dirty="0"/>
+              <a:t>:</a:t>
+            </a:r>
+          </a:p>
+          <a:p>
+            <a:pPr marL="0" indent="0">
+              <a:buNone/>
+            </a:pPr>
+            <a:r>
+              <a:rPr lang="en-US" sz="1000" dirty="0"/>
+              <a:t>    {</a:t>
+            </a:r>
+          </a:p>
+          <a:p>
+            <a:pPr marL="0" indent="0">
+              <a:buNone/>
+            </a:pPr>
+            <a:r>
+              <a:rPr lang="en-US" sz="1000" dirty="0">
+                <a:solidFill>
+                  <a:srgbClr val="FF0000"/>
+                </a:solidFill>
+              </a:rPr>
+              <a:t>        "Trading and Investing": "stock trade sale </a:t>
+            </a:r>
+            <a:r>
+              <a:rPr lang="en-US" sz="1000" dirty="0" err="1">
+                <a:solidFill>
+                  <a:srgbClr val="FF0000"/>
+                </a:solidFill>
+              </a:rPr>
+              <a:t>dow</a:t>
+            </a:r>
+            <a:r>
+              <a:rPr lang="en-US" sz="1000" dirty="0">
+                <a:solidFill>
+                  <a:srgbClr val="FF0000"/>
+                </a:solidFill>
+              </a:rPr>
+              <a:t> market invest acquire merge purchase subsidiary",</a:t>
+            </a:r>
+          </a:p>
+          <a:p>
+            <a:pPr marL="0" indent="0">
+              <a:buNone/>
+            </a:pPr>
+            <a:r>
+              <a:rPr lang="en-US" sz="1000" dirty="0">
+                <a:solidFill>
+                  <a:srgbClr val="FF0000"/>
+                </a:solidFill>
+              </a:rPr>
+              <a:t>        "Company Corporation and Competition": "compete partnership rivalry win lose deal </a:t>
+            </a:r>
+            <a:r>
+              <a:rPr lang="en-US" sz="1000" dirty="0" err="1">
+                <a:solidFill>
+                  <a:srgbClr val="FF0000"/>
+                </a:solidFill>
+              </a:rPr>
+              <a:t>giveup</a:t>
+            </a:r>
+            <a:r>
+              <a:rPr lang="en-US" sz="1000" dirty="0">
+                <a:solidFill>
+                  <a:srgbClr val="FF0000"/>
+                </a:solidFill>
+              </a:rPr>
+              <a:t>",</a:t>
+            </a:r>
+          </a:p>
+          <a:p>
+            <a:pPr marL="0" indent="0">
+              <a:buNone/>
+            </a:pPr>
+            <a:r>
+              <a:rPr lang="en-US" sz="1000" dirty="0">
+                <a:solidFill>
+                  <a:srgbClr val="FF0000"/>
+                </a:solidFill>
+              </a:rPr>
+              <a:t>        “Policy Change”: “operation change organizational policy support transfer</a:t>
+            </a:r>
+            <a:r>
+              <a:rPr lang="zh-CN" altLang="en-US" sz="1000" dirty="0">
+                <a:solidFill>
+                  <a:srgbClr val="FF0000"/>
+                </a:solidFill>
+              </a:rPr>
+              <a:t> </a:t>
+            </a:r>
+            <a:r>
+              <a:rPr lang="en-US" altLang="zh-CN" sz="1000" dirty="0">
+                <a:solidFill>
+                  <a:srgbClr val="FF0000"/>
+                </a:solidFill>
+              </a:rPr>
+              <a:t>BAN</a:t>
+            </a:r>
+            <a:r>
+              <a:rPr lang="en-US" sz="1000" dirty="0">
+                <a:solidFill>
+                  <a:srgbClr val="FF0000"/>
+                </a:solidFill>
+              </a:rPr>
+              <a:t>"</a:t>
+            </a:r>
+          </a:p>
+          <a:p>
+            <a:pPr marL="0" indent="0">
+              <a:buNone/>
+            </a:pPr>
+            <a:r>
+              <a:rPr lang="en-US" sz="1000" dirty="0"/>
+              <a:t>    },</a:t>
+            </a:r>
+          </a:p>
+          <a:p>
+            <a:pPr marL="0" indent="0">
+              <a:buNone/>
+            </a:pPr>
+            <a:r>
+              <a:rPr lang="en-US" sz="1000" dirty="0"/>
+              <a:t>    </a:t>
+            </a:r>
+            <a:r>
+              <a:rPr lang="en-US" sz="1000" dirty="0">
+                <a:solidFill>
+                  <a:srgbClr val="FF0000"/>
+                </a:solidFill>
+              </a:rPr>
+              <a:t>"Technology"</a:t>
+            </a:r>
+            <a:r>
+              <a:rPr lang="en-US" sz="1000" dirty="0"/>
+              <a:t>:</a:t>
+            </a:r>
+          </a:p>
+          <a:p>
+            <a:pPr marL="0" indent="0">
+              <a:buNone/>
+            </a:pPr>
+            <a:r>
+              <a:rPr lang="en-US" sz="1000" dirty="0"/>
+              <a:t>    {</a:t>
+            </a:r>
+          </a:p>
+          <a:p>
+            <a:pPr marL="0" indent="0">
+              <a:buNone/>
+            </a:pPr>
+            <a:r>
+              <a:rPr lang="en-US" sz="1000" dirty="0">
+                <a:solidFill>
+                  <a:srgbClr val="FF0000"/>
+                </a:solidFill>
+              </a:rPr>
+              <a:t>        "Laptop": "</a:t>
+            </a:r>
+            <a:r>
+              <a:rPr lang="en-US" sz="1000" dirty="0" err="1">
+                <a:solidFill>
+                  <a:srgbClr val="FF0000"/>
+                </a:solidFill>
+              </a:rPr>
+              <a:t>microsoft</a:t>
+            </a:r>
+            <a:r>
+              <a:rPr lang="en-US" sz="1000" dirty="0">
+                <a:solidFill>
+                  <a:srgbClr val="FF0000"/>
+                </a:solidFill>
+              </a:rPr>
+              <a:t> mac pro air surface </a:t>
+            </a:r>
+            <a:r>
+              <a:rPr lang="en-US" sz="1000" dirty="0" err="1">
+                <a:solidFill>
+                  <a:srgbClr val="FF0000"/>
+                </a:solidFill>
+              </a:rPr>
+              <a:t>lenovo</a:t>
+            </a:r>
+            <a:r>
+              <a:rPr lang="en-US" sz="1000" dirty="0">
+                <a:solidFill>
+                  <a:srgbClr val="FF0000"/>
+                </a:solidFill>
+              </a:rPr>
+              <a:t> dell </a:t>
+            </a:r>
+            <a:r>
+              <a:rPr lang="en-US" sz="1000" dirty="0" err="1">
+                <a:solidFill>
+                  <a:srgbClr val="FF0000"/>
+                </a:solidFill>
+              </a:rPr>
+              <a:t>alienware</a:t>
+            </a:r>
+            <a:r>
+              <a:rPr lang="en-US" sz="1000" dirty="0">
+                <a:solidFill>
+                  <a:srgbClr val="FF0000"/>
+                </a:solidFill>
+              </a:rPr>
+              <a:t> </a:t>
+            </a:r>
+            <a:r>
+              <a:rPr lang="en-US" sz="1000" dirty="0" err="1">
+                <a:solidFill>
+                  <a:srgbClr val="FF0000"/>
+                </a:solidFill>
+              </a:rPr>
+              <a:t>asus</a:t>
+            </a:r>
+            <a:r>
+              <a:rPr lang="en-US" sz="1000" dirty="0">
+                <a:solidFill>
+                  <a:srgbClr val="FF0000"/>
+                </a:solidFill>
+              </a:rPr>
+              <a:t> apple",</a:t>
+            </a:r>
+          </a:p>
+          <a:p>
+            <a:pPr marL="0" indent="0">
+              <a:buNone/>
+            </a:pPr>
+            <a:r>
+              <a:rPr lang="en-US" sz="1000" dirty="0">
+                <a:solidFill>
+                  <a:srgbClr val="FF0000"/>
+                </a:solidFill>
+              </a:rPr>
+              <a:t>        “Smart Phone”: “</a:t>
+            </a:r>
+            <a:r>
+              <a:rPr lang="en-US" sz="1000" dirty="0" err="1">
+                <a:solidFill>
+                  <a:srgbClr val="FF0000"/>
+                </a:solidFill>
+              </a:rPr>
+              <a:t>iphone</a:t>
+            </a:r>
+            <a:r>
+              <a:rPr lang="en-US" sz="1000" dirty="0">
+                <a:solidFill>
+                  <a:srgbClr val="FF0000"/>
+                </a:solidFill>
+              </a:rPr>
+              <a:t> android </a:t>
+            </a:r>
+            <a:r>
+              <a:rPr lang="en-US" altLang="zh-CN" sz="1000" dirty="0">
+                <a:solidFill>
+                  <a:srgbClr val="FF0000"/>
+                </a:solidFill>
+              </a:rPr>
+              <a:t>pixel</a:t>
+            </a:r>
+            <a:r>
+              <a:rPr lang="zh-CN" altLang="en-US" sz="1000" dirty="0">
+                <a:solidFill>
+                  <a:srgbClr val="FF0000"/>
+                </a:solidFill>
+              </a:rPr>
+              <a:t> </a:t>
+            </a:r>
+            <a:r>
+              <a:rPr lang="en-US" sz="1000" dirty="0">
+                <a:solidFill>
+                  <a:srgbClr val="FF0000"/>
+                </a:solidFill>
+              </a:rPr>
+              <a:t>nexus </a:t>
+            </a:r>
+            <a:r>
+              <a:rPr lang="en-US" sz="1000" dirty="0" err="1">
+                <a:solidFill>
+                  <a:srgbClr val="FF0000"/>
+                </a:solidFill>
+              </a:rPr>
+              <a:t>huawei</a:t>
+            </a:r>
+            <a:r>
+              <a:rPr lang="en-US" sz="1000" dirty="0">
+                <a:solidFill>
+                  <a:srgbClr val="FF0000"/>
+                </a:solidFill>
+              </a:rPr>
+              <a:t> </a:t>
+            </a:r>
+            <a:r>
+              <a:rPr lang="en-US" sz="1000" dirty="0" err="1">
+                <a:solidFill>
+                  <a:srgbClr val="FF0000"/>
+                </a:solidFill>
+              </a:rPr>
+              <a:t>xiaomi</a:t>
+            </a:r>
+            <a:r>
+              <a:rPr lang="zh-CN" altLang="en-US" sz="1000" dirty="0">
+                <a:solidFill>
+                  <a:srgbClr val="FF0000"/>
+                </a:solidFill>
+              </a:rPr>
+              <a:t> </a:t>
+            </a:r>
+            <a:r>
+              <a:rPr lang="en-US" altLang="zh-CN" sz="1000" dirty="0">
+                <a:solidFill>
+                  <a:srgbClr val="FF0000"/>
+                </a:solidFill>
+              </a:rPr>
+              <a:t>text</a:t>
+            </a:r>
+            <a:r>
+              <a:rPr lang="zh-CN" altLang="en-US" sz="1000" dirty="0">
+                <a:solidFill>
+                  <a:srgbClr val="FF0000"/>
+                </a:solidFill>
+              </a:rPr>
+              <a:t> </a:t>
+            </a:r>
+            <a:r>
+              <a:rPr lang="en-US" altLang="zh-CN" sz="1000" dirty="0">
+                <a:solidFill>
+                  <a:srgbClr val="FF0000"/>
+                </a:solidFill>
+              </a:rPr>
+              <a:t>message</a:t>
+            </a:r>
+            <a:r>
+              <a:rPr lang="en-US" sz="1000" dirty="0">
+                <a:solidFill>
+                  <a:srgbClr val="FF0000"/>
+                </a:solidFill>
+              </a:rPr>
+              <a:t>",</a:t>
+            </a:r>
+          </a:p>
+          <a:p>
+            <a:pPr marL="0" indent="0">
+              <a:buNone/>
+            </a:pPr>
+            <a:r>
+              <a:rPr lang="en-US" sz="1000" dirty="0">
+                <a:solidFill>
+                  <a:srgbClr val="FF0000"/>
+                </a:solidFill>
+              </a:rPr>
+              <a:t>        "Intelligent Home Appliance": "</a:t>
+            </a:r>
+            <a:r>
+              <a:rPr lang="en-US" sz="1000" dirty="0" err="1">
+                <a:solidFill>
+                  <a:srgbClr val="FF0000"/>
+                </a:solidFill>
+              </a:rPr>
+              <a:t>alexa</a:t>
+            </a:r>
+            <a:r>
+              <a:rPr lang="en-US" sz="1000" dirty="0">
+                <a:solidFill>
+                  <a:srgbClr val="FF0000"/>
+                </a:solidFill>
+              </a:rPr>
+              <a:t> home mini </a:t>
+            </a:r>
+            <a:r>
+              <a:rPr lang="en-US" sz="1000" dirty="0" err="1">
+                <a:solidFill>
+                  <a:srgbClr val="FF0000"/>
+                </a:solidFill>
+              </a:rPr>
+              <a:t>ipod</a:t>
+            </a:r>
+            <a:r>
+              <a:rPr lang="en-US" sz="1000" dirty="0">
+                <a:solidFill>
+                  <a:srgbClr val="FF0000"/>
+                </a:solidFill>
+              </a:rPr>
+              <a:t> </a:t>
+            </a:r>
+            <a:r>
+              <a:rPr lang="en-US" sz="1000" dirty="0" err="1">
+                <a:solidFill>
+                  <a:srgbClr val="FF0000"/>
+                </a:solidFill>
+              </a:rPr>
+              <a:t>ipad</a:t>
+            </a:r>
+            <a:r>
+              <a:rPr lang="en-US" sz="1000" dirty="0">
+                <a:solidFill>
+                  <a:srgbClr val="FF0000"/>
+                </a:solidFill>
+              </a:rPr>
+              <a:t> amazon"</a:t>
+            </a:r>
+          </a:p>
+          <a:p>
+            <a:pPr marL="0" indent="0">
+              <a:buNone/>
+            </a:pPr>
+            <a:r>
+              <a:rPr lang="en-US" sz="1000" dirty="0"/>
+              <a:t>    }</a:t>
+            </a:r>
+          </a:p>
+          <a:p>
+            <a:pPr marL="0" indent="0">
+              <a:buNone/>
+            </a:pPr>
+            <a:r>
+              <a:rPr lang="en-US" sz="1000" dirty="0"/>
+              <a:t>}</a:t>
+            </a:r>
+          </a:p>
+        </p:txBody>
+      </p:sp>
+      <p:sp>
+        <p:nvSpPr>
+          <p:cNvPr id="9" name="TextBox 8">
+            <a:extLst>
+              <a:ext uri="{FF2B5EF4-FFF2-40B4-BE49-F238E27FC236}">
+                <a16:creationId xmlns:a16="http://schemas.microsoft.com/office/drawing/2014/main" id="{FC2DEB1B-11B2-E143-AFE7-55E7B4EF6861}"/>
+              </a:ext>
+            </a:extLst>
+          </p:cNvPr>
+          <p:cNvSpPr txBox="1"/>
+          <p:nvPr/>
+        </p:nvSpPr>
+        <p:spPr>
+          <a:xfrm>
+            <a:off x="7518088" y="3107596"/>
+            <a:ext cx="3758887" cy="2031325"/>
+          </a:xfrm>
+          <a:prstGeom prst="rect">
+            <a:avLst/>
+          </a:prstGeom>
+          <a:noFill/>
+        </p:spPr>
+        <p:txBody>
+          <a:bodyPr wrap="square" rtlCol="0">
+            <a:spAutoFit/>
+          </a:bodyPr>
+          <a:lstStyle/>
+          <a:p>
+            <a:r>
+              <a:rPr lang="en-US" altLang="zh-CN" dirty="0"/>
+              <a:t>What</a:t>
+            </a:r>
+            <a:r>
+              <a:rPr lang="zh-CN" altLang="en-US" dirty="0"/>
+              <a:t> </a:t>
+            </a:r>
+            <a:r>
+              <a:rPr lang="en-US" altLang="zh-CN" dirty="0"/>
+              <a:t>these</a:t>
+            </a:r>
+            <a:r>
+              <a:rPr lang="zh-CN" altLang="en-US" dirty="0"/>
+              <a:t> </a:t>
+            </a:r>
+            <a:r>
+              <a:rPr lang="en-US" altLang="zh-CN" dirty="0"/>
+              <a:t>revealed:</a:t>
+            </a:r>
+          </a:p>
+          <a:p>
+            <a:pPr marL="285750" indent="-285750">
+              <a:buFont typeface="Arial" panose="020B0604020202020204" pitchFamily="34" charset="0"/>
+              <a:buChar char="•"/>
+            </a:pPr>
+            <a:r>
+              <a:rPr lang="en-US" dirty="0">
+                <a:solidFill>
+                  <a:srgbClr val="FF0000"/>
+                </a:solidFill>
+              </a:rPr>
+              <a:t>Apple shares </a:t>
+            </a:r>
+            <a:r>
+              <a:rPr lang="en-US" altLang="zh-CN" dirty="0">
+                <a:solidFill>
+                  <a:srgbClr val="FF0000"/>
+                </a:solidFill>
+              </a:rPr>
+              <a:t>keep</a:t>
+            </a:r>
+            <a:r>
+              <a:rPr lang="zh-CN" altLang="en-US" dirty="0">
+                <a:solidFill>
+                  <a:srgbClr val="FF0000"/>
+                </a:solidFill>
+              </a:rPr>
+              <a:t> </a:t>
+            </a:r>
+            <a:r>
+              <a:rPr lang="en-US" altLang="zh-CN" dirty="0">
+                <a:solidFill>
+                  <a:srgbClr val="FF0000"/>
+                </a:solidFill>
+              </a:rPr>
+              <a:t>falling</a:t>
+            </a:r>
+            <a:r>
+              <a:rPr lang="zh-CN" altLang="en-US" dirty="0">
+                <a:solidFill>
+                  <a:srgbClr val="FF0000"/>
+                </a:solidFill>
+              </a:rPr>
+              <a:t> </a:t>
+            </a:r>
+            <a:r>
+              <a:rPr lang="en-US" dirty="0">
+                <a:solidFill>
+                  <a:srgbClr val="FF0000"/>
+                </a:solidFill>
+              </a:rPr>
+              <a:t>in </a:t>
+            </a:r>
+            <a:r>
+              <a:rPr lang="en-US" altLang="zh-CN" dirty="0">
+                <a:solidFill>
+                  <a:srgbClr val="FF0000"/>
+                </a:solidFill>
+              </a:rPr>
+              <a:t>last</a:t>
+            </a:r>
+            <a:r>
+              <a:rPr lang="zh-CN" altLang="en-US" dirty="0">
+                <a:solidFill>
+                  <a:srgbClr val="FF0000"/>
+                </a:solidFill>
+              </a:rPr>
+              <a:t> </a:t>
+            </a:r>
+            <a:r>
+              <a:rPr lang="en-US" dirty="0">
+                <a:solidFill>
+                  <a:srgbClr val="FF0000"/>
+                </a:solidFill>
+              </a:rPr>
+              <a:t>three months</a:t>
+            </a:r>
+            <a:r>
+              <a:rPr lang="en-US" dirty="0"/>
+              <a:t> </a:t>
+            </a:r>
+          </a:p>
+          <a:p>
+            <a:pPr marL="285750" indent="-285750">
+              <a:buFont typeface="Arial" panose="020B0604020202020204" pitchFamily="34" charset="0"/>
+              <a:buChar char="•"/>
+            </a:pPr>
+            <a:r>
+              <a:rPr lang="en-US" altLang="zh-CN" dirty="0">
+                <a:solidFill>
+                  <a:schemeClr val="accent2">
+                    <a:lumMod val="75000"/>
+                  </a:schemeClr>
+                </a:solidFill>
+              </a:rPr>
+              <a:t>Apple</a:t>
+            </a:r>
+            <a:r>
+              <a:rPr lang="zh-CN" altLang="en-US" dirty="0">
+                <a:solidFill>
+                  <a:schemeClr val="accent2">
+                    <a:lumMod val="75000"/>
+                  </a:schemeClr>
+                </a:solidFill>
+              </a:rPr>
+              <a:t> </a:t>
+            </a:r>
+            <a:r>
+              <a:rPr lang="en-US" altLang="zh-CN" dirty="0">
+                <a:solidFill>
+                  <a:schemeClr val="accent2">
+                    <a:lumMod val="75000"/>
+                  </a:schemeClr>
+                </a:solidFill>
+              </a:rPr>
+              <a:t>watch</a:t>
+            </a:r>
+            <a:r>
+              <a:rPr lang="zh-CN" altLang="en-US" dirty="0">
+                <a:solidFill>
+                  <a:schemeClr val="accent2">
+                    <a:lumMod val="75000"/>
+                  </a:schemeClr>
+                </a:solidFill>
+              </a:rPr>
+              <a:t> </a:t>
+            </a:r>
+            <a:r>
+              <a:rPr lang="en-US" altLang="zh-CN" dirty="0">
+                <a:solidFill>
+                  <a:schemeClr val="accent2">
+                    <a:lumMod val="75000"/>
+                  </a:schemeClr>
+                </a:solidFill>
+              </a:rPr>
+              <a:t>wins</a:t>
+            </a:r>
+            <a:r>
+              <a:rPr lang="zh-CN" altLang="en-US" dirty="0">
+                <a:solidFill>
+                  <a:schemeClr val="accent2">
+                    <a:lumMod val="75000"/>
+                  </a:schemeClr>
+                </a:solidFill>
+              </a:rPr>
+              <a:t> </a:t>
+            </a:r>
+            <a:r>
+              <a:rPr lang="en-US" altLang="zh-CN" dirty="0">
+                <a:solidFill>
+                  <a:schemeClr val="accent2">
+                    <a:lumMod val="75000"/>
+                  </a:schemeClr>
+                </a:solidFill>
+              </a:rPr>
+              <a:t>more</a:t>
+            </a:r>
+            <a:r>
+              <a:rPr lang="zh-CN" altLang="en-US" dirty="0">
+                <a:solidFill>
+                  <a:schemeClr val="accent2">
+                    <a:lumMod val="75000"/>
+                  </a:schemeClr>
+                </a:solidFill>
+              </a:rPr>
+              <a:t> </a:t>
+            </a:r>
+            <a:r>
+              <a:rPr lang="en-US" altLang="zh-CN" dirty="0">
+                <a:solidFill>
+                  <a:schemeClr val="accent2">
+                    <a:lumMod val="75000"/>
+                  </a:schemeClr>
+                </a:solidFill>
+              </a:rPr>
+              <a:t>favorites</a:t>
+            </a:r>
+          </a:p>
+          <a:p>
+            <a:pPr marL="285750" indent="-285750">
+              <a:buFont typeface="Arial" panose="020B0604020202020204" pitchFamily="34" charset="0"/>
+              <a:buChar char="•"/>
+            </a:pPr>
+            <a:r>
+              <a:rPr lang="en-US" altLang="zh-CN" dirty="0">
+                <a:solidFill>
+                  <a:schemeClr val="accent5">
+                    <a:lumMod val="75000"/>
+                  </a:schemeClr>
+                </a:solidFill>
+              </a:rPr>
+              <a:t>Apple</a:t>
+            </a:r>
+            <a:r>
+              <a:rPr lang="zh-CN" altLang="en-US" dirty="0">
+                <a:solidFill>
+                  <a:schemeClr val="accent5">
+                    <a:lumMod val="75000"/>
+                  </a:schemeClr>
+                </a:solidFill>
+              </a:rPr>
+              <a:t> </a:t>
+            </a:r>
+            <a:r>
+              <a:rPr lang="en-US" altLang="zh-CN" dirty="0">
+                <a:solidFill>
+                  <a:schemeClr val="accent5">
+                    <a:lumMod val="75000"/>
+                  </a:schemeClr>
+                </a:solidFill>
+              </a:rPr>
+              <a:t>is</a:t>
+            </a:r>
+            <a:r>
+              <a:rPr lang="zh-CN" altLang="en-US" dirty="0">
+                <a:solidFill>
+                  <a:schemeClr val="accent5">
+                    <a:lumMod val="75000"/>
+                  </a:schemeClr>
+                </a:solidFill>
+              </a:rPr>
+              <a:t> </a:t>
+            </a:r>
+            <a:r>
+              <a:rPr lang="en-US" altLang="zh-CN" dirty="0">
+                <a:solidFill>
+                  <a:schemeClr val="accent5">
+                    <a:lumMod val="75000"/>
+                  </a:schemeClr>
+                </a:solidFill>
+              </a:rPr>
+              <a:t>facing</a:t>
+            </a:r>
+            <a:r>
+              <a:rPr lang="zh-CN" altLang="en-US" dirty="0">
+                <a:solidFill>
+                  <a:schemeClr val="accent5">
+                    <a:lumMod val="75000"/>
+                  </a:schemeClr>
+                </a:solidFill>
+              </a:rPr>
+              <a:t> </a:t>
+            </a:r>
+            <a:r>
+              <a:rPr lang="en-US" altLang="zh-CN" dirty="0">
+                <a:solidFill>
+                  <a:schemeClr val="accent5">
+                    <a:lumMod val="75000"/>
+                  </a:schemeClr>
+                </a:solidFill>
+              </a:rPr>
+              <a:t>difficulties</a:t>
+            </a:r>
+            <a:r>
+              <a:rPr lang="zh-CN" altLang="en-US" dirty="0">
+                <a:solidFill>
+                  <a:schemeClr val="accent5">
+                    <a:lumMod val="75000"/>
+                  </a:schemeClr>
+                </a:solidFill>
+              </a:rPr>
+              <a:t> </a:t>
+            </a:r>
+            <a:r>
+              <a:rPr lang="en-US" altLang="zh-CN" dirty="0">
+                <a:solidFill>
+                  <a:schemeClr val="accent5">
+                    <a:lumMod val="75000"/>
+                  </a:schemeClr>
+                </a:solidFill>
+              </a:rPr>
+              <a:t>on</a:t>
+            </a:r>
+            <a:r>
+              <a:rPr lang="zh-CN" altLang="en-US" dirty="0">
+                <a:solidFill>
+                  <a:schemeClr val="accent5">
+                    <a:lumMod val="75000"/>
+                  </a:schemeClr>
+                </a:solidFill>
+              </a:rPr>
+              <a:t> </a:t>
+            </a:r>
+            <a:r>
+              <a:rPr lang="en-US" altLang="zh-CN" dirty="0">
+                <a:solidFill>
+                  <a:schemeClr val="accent5">
+                    <a:lumMod val="75000"/>
+                  </a:schemeClr>
+                </a:solidFill>
+              </a:rPr>
+              <a:t>expanding</a:t>
+            </a:r>
+            <a:r>
+              <a:rPr lang="zh-CN" altLang="en-US" dirty="0">
+                <a:solidFill>
+                  <a:schemeClr val="accent5">
+                    <a:lumMod val="75000"/>
+                  </a:schemeClr>
+                </a:solidFill>
+              </a:rPr>
+              <a:t> </a:t>
+            </a:r>
+            <a:r>
+              <a:rPr lang="en-US" altLang="zh-CN" dirty="0">
+                <a:solidFill>
+                  <a:schemeClr val="accent5">
+                    <a:lumMod val="75000"/>
+                  </a:schemeClr>
+                </a:solidFill>
+              </a:rPr>
+              <a:t>Chinese</a:t>
+            </a:r>
+            <a:r>
+              <a:rPr lang="zh-CN" altLang="en-US" dirty="0">
+                <a:solidFill>
+                  <a:schemeClr val="accent5">
+                    <a:lumMod val="75000"/>
+                  </a:schemeClr>
+                </a:solidFill>
+              </a:rPr>
+              <a:t> </a:t>
+            </a:r>
+            <a:r>
+              <a:rPr lang="en-US" altLang="zh-CN" dirty="0">
+                <a:solidFill>
+                  <a:schemeClr val="accent5">
+                    <a:lumMod val="75000"/>
+                  </a:schemeClr>
+                </a:solidFill>
+              </a:rPr>
+              <a:t>market</a:t>
+            </a:r>
+            <a:endParaRPr lang="en-US" dirty="0">
+              <a:solidFill>
+                <a:schemeClr val="accent5">
+                  <a:lumMod val="75000"/>
+                </a:schemeClr>
+              </a:solidFill>
+            </a:endParaRPr>
+          </a:p>
+          <a:p>
+            <a:pPr marL="285750" indent="-285750">
+              <a:buFont typeface="Arial" panose="020B0604020202020204" pitchFamily="34" charset="0"/>
+              <a:buChar char="•"/>
+            </a:pPr>
+            <a:endParaRPr lang="en-US" dirty="0"/>
+          </a:p>
+        </p:txBody>
+      </p:sp>
+    </p:spTree>
+    <p:extLst>
+      <p:ext uri="{BB962C8B-B14F-4D97-AF65-F5344CB8AC3E}">
+        <p14:creationId xmlns:p14="http://schemas.microsoft.com/office/powerpoint/2010/main" val="1376847890"/>
       </p:ext>
     </p:extLst>
   </p:cSld>
